--- a/server/uploads/updated-semi.pptx
+++ b/server/uploads/updated-semi.pptx
@@ -203,7 +203,7 @@
           <a:p>
             <a:fld id="{539CA35F-CF30-498C-A37F-E4B404332AB8}" type="datetimeFigureOut">
               <a:rPr lang="he-IL" smtClean="0"/>
-              <a:t>י"ט/ניסן/תשפ"ב</a:t>
+              <a:t>כ"ג/ניסן/תשפ"ב</a:t>
             </a:fld>
             <a:endParaRPr lang="he-IL"/>
           </a:p>
@@ -1229,7 +1229,7 @@
           <a:p>
             <a:fld id="{D880ED0C-7ADE-460C-BE75-9767167AE7C5}" type="datetimeFigureOut">
               <a:rPr lang="he-IL" smtClean="0"/>
-              <a:t>י"ט/ניסן/תשפ"ב</a:t>
+              <a:t>כ"ג/ניסן/תשפ"ב</a:t>
             </a:fld>
             <a:endParaRPr lang="he-IL"/>
           </a:p>
@@ -1427,7 +1427,7 @@
           <a:p>
             <a:fld id="{D880ED0C-7ADE-460C-BE75-9767167AE7C5}" type="datetimeFigureOut">
               <a:rPr lang="he-IL" smtClean="0"/>
-              <a:t>י"ט/ניסן/תשפ"ב</a:t>
+              <a:t>כ"ג/ניסן/תשפ"ב</a:t>
             </a:fld>
             <a:endParaRPr lang="he-IL"/>
           </a:p>
@@ -1635,7 +1635,7 @@
           <a:p>
             <a:fld id="{D880ED0C-7ADE-460C-BE75-9767167AE7C5}" type="datetimeFigureOut">
               <a:rPr lang="he-IL" smtClean="0"/>
-              <a:t>י"ט/ניסן/תשפ"ב</a:t>
+              <a:t>כ"ג/ניסן/תשפ"ב</a:t>
             </a:fld>
             <a:endParaRPr lang="he-IL"/>
           </a:p>
@@ -1833,7 +1833,7 @@
           <a:p>
             <a:fld id="{D880ED0C-7ADE-460C-BE75-9767167AE7C5}" type="datetimeFigureOut">
               <a:rPr lang="he-IL" smtClean="0"/>
-              <a:t>י"ט/ניסן/תשפ"ב</a:t>
+              <a:t>כ"ג/ניסן/תשפ"ב</a:t>
             </a:fld>
             <a:endParaRPr lang="he-IL"/>
           </a:p>
@@ -2108,7 +2108,7 @@
           <a:p>
             <a:fld id="{D880ED0C-7ADE-460C-BE75-9767167AE7C5}" type="datetimeFigureOut">
               <a:rPr lang="he-IL" smtClean="0"/>
-              <a:t>י"ט/ניסן/תשפ"ב</a:t>
+              <a:t>כ"ג/ניסן/תשפ"ב</a:t>
             </a:fld>
             <a:endParaRPr lang="he-IL"/>
           </a:p>
@@ -2373,7 +2373,7 @@
           <a:p>
             <a:fld id="{D880ED0C-7ADE-460C-BE75-9767167AE7C5}" type="datetimeFigureOut">
               <a:rPr lang="he-IL" smtClean="0"/>
-              <a:t>י"ט/ניסן/תשפ"ב</a:t>
+              <a:t>כ"ג/ניסן/תשפ"ב</a:t>
             </a:fld>
             <a:endParaRPr lang="he-IL"/>
           </a:p>
@@ -2785,7 +2785,7 @@
           <a:p>
             <a:fld id="{D880ED0C-7ADE-460C-BE75-9767167AE7C5}" type="datetimeFigureOut">
               <a:rPr lang="he-IL" smtClean="0"/>
-              <a:t>י"ט/ניסן/תשפ"ב</a:t>
+              <a:t>כ"ג/ניסן/תשפ"ב</a:t>
             </a:fld>
             <a:endParaRPr lang="he-IL"/>
           </a:p>
@@ -2926,7 +2926,7 @@
           <a:p>
             <a:fld id="{D880ED0C-7ADE-460C-BE75-9767167AE7C5}" type="datetimeFigureOut">
               <a:rPr lang="he-IL" smtClean="0"/>
-              <a:t>י"ט/ניסן/תשפ"ב</a:t>
+              <a:t>כ"ג/ניסן/תשפ"ב</a:t>
             </a:fld>
             <a:endParaRPr lang="he-IL"/>
           </a:p>
@@ -3039,7 +3039,7 @@
           <a:p>
             <a:fld id="{D880ED0C-7ADE-460C-BE75-9767167AE7C5}" type="datetimeFigureOut">
               <a:rPr lang="he-IL" smtClean="0"/>
-              <a:t>י"ט/ניסן/תשפ"ב</a:t>
+              <a:t>כ"ג/ניסן/תשפ"ב</a:t>
             </a:fld>
             <a:endParaRPr lang="he-IL"/>
           </a:p>
@@ -3350,7 +3350,7 @@
           <a:p>
             <a:fld id="{D880ED0C-7ADE-460C-BE75-9767167AE7C5}" type="datetimeFigureOut">
               <a:rPr lang="he-IL" smtClean="0"/>
-              <a:t>י"ט/ניסן/תשפ"ב</a:t>
+              <a:t>כ"ג/ניסן/תשפ"ב</a:t>
             </a:fld>
             <a:endParaRPr lang="he-IL"/>
           </a:p>
@@ -3638,7 +3638,7 @@
           <a:p>
             <a:fld id="{D880ED0C-7ADE-460C-BE75-9767167AE7C5}" type="datetimeFigureOut">
               <a:rPr lang="he-IL" smtClean="0"/>
-              <a:t>י"ט/ניסן/תשפ"ב</a:t>
+              <a:t>כ"ג/ניסן/תשפ"ב</a:t>
             </a:fld>
             <a:endParaRPr lang="he-IL"/>
           </a:p>
@@ -3879,7 +3879,7 @@
           <a:p>
             <a:fld id="{D880ED0C-7ADE-460C-BE75-9767167AE7C5}" type="datetimeFigureOut">
               <a:rPr lang="he-IL" smtClean="0"/>
-              <a:t>י"ט/ניסן/תשפ"ב</a:t>
+              <a:t>כ"ג/ניסן/תשפ"ב</a:t>
             </a:fld>
             <a:endParaRPr lang="he-IL"/>
           </a:p>
@@ -4282,10 +4282,393 @@
 <file path=ppt/slides/slide1.xml><?xml version="1.0" encoding="utf-8"?>
 <p:sld xmlns:a="http://schemas.openxmlformats.org/drawingml/2006/main" xmlns:r="http://schemas.openxmlformats.org/officeDocument/2006/relationships" xmlns:p="http://schemas.openxmlformats.org/presentationml/2006/main">
   <p:cSld>
+    <p:spTree>
+      <p:nvGrpSpPr>
+        <p:cNvPr id="1" name=""/>
+        <p:cNvGrpSpPr/>
+        <p:nvPr/>
+      </p:nvGrpSpPr>
+      <p:grpSpPr>
+        <a:xfrm>
+          <a:off x="0" y="0"/>
+          <a:ext cx="0" cy="0"/>
+          <a:chOff x="0" y="0"/>
+          <a:chExt cx="0" cy="0"/>
+        </a:xfrm>
+      </p:grpSpPr>
+      <p:sp>
+        <p:nvSpPr>
+          <p:cNvPr id="7" name="כותרת 1">
+            <a:extLst>
+              <a:ext uri="{FF2B5EF4-FFF2-40B4-BE49-F238E27FC236}">
+                <a16:creationId xmlns:a16="http://schemas.microsoft.com/office/drawing/2014/main" id="{1FF3C46F-92A1-4D2A-AF4D-5625790FAC81}"/>
+              </a:ext>
+            </a:extLst>
+          </p:cNvPr>
+          <p:cNvSpPr txBox="1">
+            <a:spLocks/>
+          </p:cNvSpPr>
+          <p:nvPr/>
+        </p:nvSpPr>
+        <p:spPr>
+          <a:xfrm>
+            <a:off x="-43071" y="1013351"/>
+            <a:ext cx="12235071" cy="2212422"/>
+          </a:xfrm>
+          <a:prstGeom prst="rect">
+            <a:avLst/>
+          </a:prstGeom>
+        </p:spPr>
+        <p:txBody>
+          <a:bodyPr vert="horz" lIns="91440" tIns="45720" rIns="91440" bIns="45720" rtlCol="1" anchor="ctr">
+            <a:normAutofit/>
+          </a:bodyPr>
+          <a:lstStyle>
+            <a:lvl1pPr algn="r" defTabSz="914400" rtl="1" eaLnBrk="1" latinLnBrk="0" hangingPunct="1">
+              <a:lnSpc>
+                <a:spcPct val="90000"/>
+              </a:lnSpc>
+              <a:spcBef>
+                <a:spcPct val="0"/>
+              </a:spcBef>
+              <a:buNone/>
+              <a:defRPr sz="4400" kern="1200">
+                <a:solidFill>
+                  <a:schemeClr val="tx1"/>
+                </a:solidFill>
+                <a:latin typeface="+mj-lt"/>
+                <a:ea typeface="+mj-ea"/>
+                <a:cs typeface="+mj-cs"/>
+              </a:defRPr>
+            </a:lvl1pPr>
+          </a:lstStyle>
+          <a:p>
+            <a:pPr algn="ctr"/>
+            <a:r>
+              <a:rPr lang="en-US" b="0" i="0" u="none" strike="noStrike" baseline="0" dirty="0">
+                <a:solidFill>
+                  <a:srgbClr val="00B0F0"/>
+                </a:solidFill>
+                <a:latin typeface="Arial" panose="020B0604020202020204" pitchFamily="34" charset="0"/>
+                <a:cs typeface="Arial" panose="020B0604020202020204" pitchFamily="34" charset="0"/>
+              </a:rPr>
+              <a:t>A Review of Machine Learning Algorithms for</a:t>
+            </a:r>
+          </a:p>
+          <a:p>
+            <a:pPr algn="ctr"/>
+            <a:r>
+              <a:rPr lang="en-US" b="0" i="0" u="none" strike="noStrike" baseline="0" dirty="0">
+                <a:solidFill>
+                  <a:srgbClr val="00B0F0"/>
+                </a:solidFill>
+                <a:latin typeface="Arial" panose="020B0604020202020204" pitchFamily="34" charset="0"/>
+                <a:cs typeface="Arial" panose="020B0604020202020204" pitchFamily="34" charset="0"/>
+              </a:rPr>
+              <a:t>Text-Documents Classification</a:t>
+            </a:r>
+            <a:endParaRPr lang="en-US" sz="40300" b="1" dirty="0">
+              <a:solidFill>
+                <a:srgbClr val="00B0F0"/>
+              </a:solidFill>
+              <a:latin typeface="Arial" panose="020B0604020202020204" pitchFamily="34" charset="0"/>
+              <a:cs typeface="Arial" panose="020B0604020202020204" pitchFamily="34" charset="0"/>
+            </a:endParaRPr>
+          </a:p>
+        </p:txBody>
+      </p:sp>
+      <p:sp>
+        <p:nvSpPr>
+          <p:cNvPr id="3" name="תיבת טקסט 2">
+            <a:extLst>
+              <a:ext uri="{FF2B5EF4-FFF2-40B4-BE49-F238E27FC236}">
+                <a16:creationId xmlns:a16="http://schemas.microsoft.com/office/drawing/2014/main" id="{2E50B174-1151-4FC3-8279-106732658605}"/>
+              </a:ext>
+            </a:extLst>
+          </p:cNvPr>
+          <p:cNvSpPr txBox="1"/>
+          <p:nvPr/>
+        </p:nvSpPr>
+        <p:spPr>
+          <a:xfrm>
+            <a:off x="190500" y="5388980"/>
+            <a:ext cx="3143250" cy="1497300"/>
+          </a:xfrm>
+          <a:prstGeom prst="rect">
+            <a:avLst/>
+          </a:prstGeom>
+        </p:spPr>
+        <p:txBody>
+          <a:bodyPr vert="horz" wrap="square" lIns="91440" tIns="45720" rIns="91440" bIns="45720" rtlCol="1" anchor="ctr">
+            <a:noAutofit/>
+          </a:bodyPr>
+          <a:lstStyle/>
+          <a:p>
+            <a:pPr algn="l" rtl="0">
+              <a:lnSpc>
+                <a:spcPct val="150000"/>
+              </a:lnSpc>
+            </a:pPr>
+            <a:r>
+              <a:rPr lang="he-IL" sz="2400" dirty="0">
+                <a:solidFill>
+                  <a:srgbClr val="002060"/>
+                </a:solidFill>
+                <a:latin typeface="Arial" panose="020B0604020202020204" pitchFamily="34" charset="0"/>
+                <a:cs typeface="Arial" panose="020B0604020202020204" pitchFamily="34" charset="0"/>
+              </a:rPr>
+              <a:t>Moran</a:t>
+            </a:r>
+            <a:r>
+              <a:rPr lang="he-IL" sz="2400" dirty="0">
+                <a:solidFill>
+                  <a:srgbClr val="002060"/>
+                </a:solidFill>
+                <a:latin typeface="Arial" panose="020B0604020202020204" pitchFamily="34" charset="0"/>
+                <a:ea typeface="+mn-ea"/>
+                <a:cs typeface="Arial" panose="020B0604020202020204" pitchFamily="34" charset="0"/>
+              </a:rPr>
+              <a:t> </a:t>
+            </a:r>
+            <a:r>
+              <a:rPr lang="he-IL" sz="2400" dirty="0">
+                <a:solidFill>
+                  <a:srgbClr val="002060"/>
+                </a:solidFill>
+                <a:latin typeface="Arial" panose="020B0604020202020204" pitchFamily="34" charset="0"/>
+                <a:cs typeface="Arial" panose="020B0604020202020204" pitchFamily="34" charset="0"/>
+              </a:rPr>
+              <a:t>Abitbul</a:t>
+            </a:r>
+            <a:endParaRPr lang="he-IL" sz="2400" dirty="0">
+              <a:solidFill>
+                <a:srgbClr val="002060"/>
+              </a:solidFill>
+              <a:latin typeface="Arial" panose="020B0604020202020204" pitchFamily="34" charset="0"/>
+              <a:ea typeface="+mn-ea"/>
+              <a:cs typeface="Arial" panose="020B0604020202020204" pitchFamily="34" charset="0"/>
+            </a:endParaRPr>
+          </a:p>
+          <a:p>
+            <a:pPr algn="l" rtl="0">
+              <a:lnSpc>
+                <a:spcPct val="150000"/>
+              </a:lnSpc>
+            </a:pPr>
+            <a:r>
+              <a:rPr lang="en-US" sz="2400" dirty="0">
+                <a:solidFill>
+                  <a:srgbClr val="002060"/>
+                </a:solidFill>
+                <a:latin typeface="Arial" panose="020B0604020202020204" pitchFamily="34" charset="0"/>
+                <a:cs typeface="Arial" panose="020B0604020202020204" pitchFamily="34" charset="0"/>
+              </a:rPr>
+              <a:t>T</a:t>
+            </a:r>
+            <a:r>
+              <a:rPr lang="he-IL" sz="2400" dirty="0">
+                <a:solidFill>
+                  <a:srgbClr val="002060"/>
+                </a:solidFill>
+                <a:latin typeface="Arial" panose="020B0604020202020204" pitchFamily="34" charset="0"/>
+                <a:cs typeface="Arial" panose="020B0604020202020204" pitchFamily="34" charset="0"/>
+              </a:rPr>
+              <a:t>air </a:t>
+            </a:r>
+            <a:r>
+              <a:rPr lang="en-US" sz="2400" dirty="0">
+                <a:solidFill>
+                  <a:srgbClr val="002060"/>
+                </a:solidFill>
+                <a:latin typeface="Arial" panose="020B0604020202020204" pitchFamily="34" charset="0"/>
+                <a:cs typeface="Arial" panose="020B0604020202020204" pitchFamily="34" charset="0"/>
+              </a:rPr>
+              <a:t>F</a:t>
+            </a:r>
+            <a:r>
+              <a:rPr lang="he-IL" sz="2400" dirty="0">
+                <a:solidFill>
+                  <a:srgbClr val="002060"/>
+                </a:solidFill>
+                <a:latin typeface="Arial" panose="020B0604020202020204" pitchFamily="34" charset="0"/>
+                <a:cs typeface="Arial" panose="020B0604020202020204" pitchFamily="34" charset="0"/>
+              </a:rPr>
+              <a:t>arangi</a:t>
+            </a:r>
+            <a:endParaRPr lang="he-IL" sz="2400" dirty="0">
+              <a:solidFill>
+                <a:srgbClr val="002060"/>
+              </a:solidFill>
+              <a:latin typeface="Arial" panose="020B0604020202020204" pitchFamily="34" charset="0"/>
+              <a:ea typeface="+mn-ea"/>
+              <a:cs typeface="Arial" panose="020B0604020202020204" pitchFamily="34" charset="0"/>
+            </a:endParaRPr>
+          </a:p>
+        </p:txBody>
+      </p:sp>
+      <p:sp>
+        <p:nvSpPr>
+          <p:cNvPr id="4" name="תיבת טקסט 3">
+            <a:extLst>
+              <a:ext uri="{FF2B5EF4-FFF2-40B4-BE49-F238E27FC236}">
+                <a16:creationId xmlns:a16="http://schemas.microsoft.com/office/drawing/2014/main" id="{401B9F85-5698-41E7-AA8D-20C0818B5E7A}"/>
+              </a:ext>
+            </a:extLst>
+          </p:cNvPr>
+          <p:cNvSpPr txBox="1"/>
+          <p:nvPr/>
+        </p:nvSpPr>
+        <p:spPr>
+          <a:xfrm>
+            <a:off x="95250" y="3429000"/>
+            <a:ext cx="12001500" cy="1113145"/>
+          </a:xfrm>
+          <a:prstGeom prst="rect">
+            <a:avLst/>
+          </a:prstGeom>
+        </p:spPr>
+        <p:txBody>
+          <a:bodyPr vert="horz" wrap="square" lIns="91440" tIns="45720" rIns="91440" bIns="45720" rtlCol="1" anchor="ctr">
+            <a:noAutofit/>
+          </a:bodyPr>
+          <a:lstStyle/>
+          <a:p>
+            <a:pPr algn="ctr" rtl="0">
+              <a:lnSpc>
+                <a:spcPct val="150000"/>
+              </a:lnSpc>
+            </a:pPr>
+            <a:r>
+              <a:rPr lang="en-US" sz="2400" dirty="0">
+                <a:solidFill>
+                  <a:srgbClr val="0070C0"/>
+                </a:solidFill>
+                <a:latin typeface="Arial" panose="020B0604020202020204" pitchFamily="34" charset="0"/>
+                <a:cs typeface="Arial" panose="020B0604020202020204" pitchFamily="34" charset="0"/>
+              </a:rPr>
+              <a:t>Aurangzeb Khan, </a:t>
+            </a:r>
+            <a:r>
+              <a:rPr lang="en-US" sz="2400" dirty="0" err="1">
+                <a:solidFill>
+                  <a:srgbClr val="0070C0"/>
+                </a:solidFill>
+                <a:latin typeface="Arial" panose="020B0604020202020204" pitchFamily="34" charset="0"/>
+                <a:cs typeface="Arial" panose="020B0604020202020204" pitchFamily="34" charset="0"/>
+              </a:rPr>
+              <a:t>Baharum</a:t>
+            </a:r>
+            <a:r>
+              <a:rPr lang="en-US" sz="2400" dirty="0">
+                <a:solidFill>
+                  <a:srgbClr val="0070C0"/>
+                </a:solidFill>
+                <a:latin typeface="Arial" panose="020B0604020202020204" pitchFamily="34" charset="0"/>
+                <a:cs typeface="Arial" panose="020B0604020202020204" pitchFamily="34" charset="0"/>
+              </a:rPr>
+              <a:t> </a:t>
+            </a:r>
+            <a:r>
+              <a:rPr lang="en-US" sz="2400" dirty="0" err="1">
+                <a:solidFill>
+                  <a:srgbClr val="0070C0"/>
+                </a:solidFill>
+                <a:latin typeface="Arial" panose="020B0604020202020204" pitchFamily="34" charset="0"/>
+                <a:cs typeface="Arial" panose="020B0604020202020204" pitchFamily="34" charset="0"/>
+              </a:rPr>
+              <a:t>Baharudin</a:t>
+            </a:r>
+            <a:r>
+              <a:rPr lang="en-US" sz="2400" dirty="0">
+                <a:solidFill>
+                  <a:srgbClr val="0070C0"/>
+                </a:solidFill>
+                <a:latin typeface="Arial" panose="020B0604020202020204" pitchFamily="34" charset="0"/>
+                <a:cs typeface="Arial" panose="020B0604020202020204" pitchFamily="34" charset="0"/>
+              </a:rPr>
+              <a:t>, Lam Hong Lee*, </a:t>
+            </a:r>
+            <a:r>
+              <a:rPr lang="en-US" sz="2400" dirty="0" err="1">
+                <a:solidFill>
+                  <a:srgbClr val="0070C0"/>
+                </a:solidFill>
+                <a:latin typeface="Arial" panose="020B0604020202020204" pitchFamily="34" charset="0"/>
+                <a:cs typeface="Arial" panose="020B0604020202020204" pitchFamily="34" charset="0"/>
+              </a:rPr>
+              <a:t>Khairullah</a:t>
+            </a:r>
+            <a:r>
+              <a:rPr lang="en-US" sz="2400" dirty="0">
+                <a:solidFill>
+                  <a:srgbClr val="0070C0"/>
+                </a:solidFill>
+                <a:latin typeface="Arial" panose="020B0604020202020204" pitchFamily="34" charset="0"/>
+                <a:cs typeface="Arial" panose="020B0604020202020204" pitchFamily="34" charset="0"/>
+              </a:rPr>
+              <a:t> khan</a:t>
+            </a:r>
+            <a:r>
+              <a:rPr lang="en-US" sz="2400" b="0" i="0" u="none" strike="noStrike" baseline="0" dirty="0">
+                <a:solidFill>
+                  <a:srgbClr val="0070C0"/>
+                </a:solidFill>
+                <a:latin typeface="Arial" panose="020B0604020202020204" pitchFamily="34" charset="0"/>
+                <a:cs typeface="Arial" panose="020B0604020202020204" pitchFamily="34" charset="0"/>
+              </a:rPr>
+              <a:t>FEBRUARY 2010</a:t>
+            </a:r>
+            <a:br>
+              <a:rPr lang="en-US" sz="2400" dirty="0">
+                <a:solidFill>
+                  <a:srgbClr val="0070C0"/>
+                </a:solidFill>
+                <a:latin typeface="Arial" panose="020B0604020202020204" pitchFamily="34" charset="0"/>
+                <a:cs typeface="Arial" panose="020B0604020202020204" pitchFamily="34" charset="0"/>
+              </a:rPr>
+            </a:br>
+            <a:endParaRPr lang="en-US" sz="2400" b="1" dirty="0">
+              <a:solidFill>
+                <a:srgbClr val="0070C0"/>
+              </a:solidFill>
+              <a:latin typeface="Arial" panose="020B0604020202020204" pitchFamily="34" charset="0"/>
+              <a:cs typeface="Arial" panose="020B0604020202020204" pitchFamily="34" charset="0"/>
+            </a:endParaRPr>
+          </a:p>
+          <a:p>
+            <a:pPr algn="ctr" rtl="0">
+              <a:lnSpc>
+                <a:spcPct val="150000"/>
+              </a:lnSpc>
+            </a:pPr>
+            <a:endParaRPr lang="he-IL" sz="2400" dirty="0">
+              <a:latin typeface="Arial" panose="020B0604020202020204" pitchFamily="34" charset="0"/>
+              <a:ea typeface="+mn-ea"/>
+              <a:cs typeface="Arial" panose="020B0604020202020204" pitchFamily="34" charset="0"/>
+            </a:endParaRPr>
+          </a:p>
+        </p:txBody>
+      </p:sp>
+    </p:spTree>
+    <p:extLst>
+      <p:ext uri="{BB962C8B-B14F-4D97-AF65-F5344CB8AC3E}">
+        <p14:creationId xmlns:p14="http://schemas.microsoft.com/office/powerpoint/2010/main" val="2094803981"/>
+      </p:ext>
+    </p:extLst>
+  </p:cSld>
+  <p:clrMapOvr>
+    <a:masterClrMapping/>
+  </p:clrMapOvr>
+</p:sld>
+</file>
+
+<file path=ppt/slides/slide2.xml><?xml version="1.0" encoding="utf-8"?>
+<p:sld xmlns:a="http://schemas.openxmlformats.org/drawingml/2006/main" xmlns:r="http://schemas.openxmlformats.org/officeDocument/2006/relationships" xmlns:p="http://schemas.openxmlformats.org/presentationml/2006/main">
+  <p:cSld>
     <p:bg>
       <p:bgPr>
         <a:solidFill>
-          <a:srgbClr val="ffffff"/>
+          <a:srgbClr val="505050"/>
         </a:solidFill>
         <a:effectLst/>
       </p:bgPr>
@@ -4306,278 +4689,26 @@
       </p:grpSpPr>
       <p:sp>
         <p:nvSpPr>
-          <p:cNvPr id="2" name="כותרת 1"/>
-          <p:cNvSpPr>
-            <a:spLocks noGrp="1"/>
-          </p:cNvSpPr>
-          <p:nvPr>
-            <p:ph type="title"/>
-          </p:nvPr>
+          <p:cNvPr id="2" name="תיבת טקסט 1">
+            <a:extLst>
+              <a:ext uri="{FF2B5EF4-FFF2-40B4-BE49-F238E27FC236}">
+                <a16:creationId xmlns:a16="http://schemas.microsoft.com/office/drawing/2014/main" id="{A40F6A0E-9980-4F42-A39C-2364B60054B9}"/>
+              </a:ext>
+            </a:extLst>
+          </p:cNvPr>
+          <p:cNvSpPr txBox="1"/>
+          <p:nvPr/>
         </p:nvSpPr>
         <p:spPr>
           <a:xfrm>
-            <a:off x="567358" y="3829293"/>
-            <a:ext cx="10515600" cy="1325563"/>
-          </a:xfrm>
-        </p:spPr>
-        <p:txBody>
-          <a:bodyPr>
-            <a:normAutofit/>
-          </a:bodyPr>
-          <a:lstStyle/>
-          <a:p>
-            <a:pPr algn="ctr" rtl="0"/>
-            <a:r>
-              <a:rPr lang="en-US" sz="1800" b="0" i="0" u="none" strike="noStrike" baseline="0" dirty="0">
-                <a:solidFill>
-                  <a:srgbClr val="0070C0"/>
-                </a:solidFill>
-                <a:latin typeface="Arial" panose="020B0604020202020204" pitchFamily="34" charset="0"/>
-                <a:cs typeface="Arial" panose="020B0604020202020204" pitchFamily="34" charset="0"/>
-              </a:rPr>
-              <a:t>FEBRUARY 2010</a:t>
-            </a:r>
-            <a:endParaRPr lang="en-US" sz="7200" b="1" dirty="0">
-              <a:solidFill>
-                <a:srgbClr val="0070C0"/>
-              </a:solidFill>
-              <a:latin typeface="Arial" panose="020B0604020202020204" pitchFamily="34" charset="0"/>
-              <a:cs typeface="Arial" panose="020B0604020202020204" pitchFamily="34" charset="0"/>
-            </a:endParaRPr>
-          </a:p>
-        </p:txBody>
-      </p:sp>
-      <p:sp>
-        <p:nvSpPr>
-          <p:cNvPr id="7" name="כותרת 1">
-            <a:extLst>
-              <a:ext uri="{FF2B5EF4-FFF2-40B4-BE49-F238E27FC236}">
-                <a16:creationId xmlns:a16="http://schemas.microsoft.com/office/drawing/2014/main" id="{1FF3C46F-92A1-4D2A-AF4D-5625790FAC81}"/>
-              </a:ext>
-            </a:extLst>
-          </p:cNvPr>
-          <p:cNvSpPr txBox="1">
-            <a:spLocks/>
-          </p:cNvSpPr>
-          <p:nvPr/>
-        </p:nvSpPr>
-        <p:spPr>
-          <a:xfrm>
-            <a:off x="-43071" y="1013351"/>
-            <a:ext cx="12235071" cy="2212422"/>
+            <a:off x="707367" y="396815"/>
+            <a:ext cx="7729267" cy="1017916"/>
           </a:xfrm>
           <a:prstGeom prst="rect">
             <a:avLst/>
           </a:prstGeom>
         </p:spPr>
         <p:txBody>
-          <a:bodyPr vert="horz" lIns="91440" tIns="45720" rIns="91440" bIns="45720" rtlCol="1" anchor="ctr">
-            <a:normAutofit/>
-          </a:bodyPr>
-          <a:lstStyle>
-            <a:lvl1pPr algn="r" defTabSz="914400" rtl="1" eaLnBrk="1" latinLnBrk="0" hangingPunct="1">
-              <a:lnSpc>
-                <a:spcPct val="90000"/>
-              </a:lnSpc>
-              <a:spcBef>
-                <a:spcPct val="0"/>
-              </a:spcBef>
-              <a:buNone/>
-              <a:defRPr sz="4400" kern="1200">
-                <a:solidFill>
-                  <a:schemeClr val="tx1"/>
-                </a:solidFill>
-                <a:latin typeface="+mj-lt"/>
-                <a:ea typeface="+mj-ea"/>
-                <a:cs typeface="+mj-cs"/>
-              </a:defRPr>
-            </a:lvl1pPr>
-          </a:lstStyle>
-          <a:p>
-            <a:pPr algn="ctr"/>
-            <a:r>
-              <a:rPr lang="en-US" b="0" i="0" u="none" strike="noStrike" baseline="0" dirty="0">
-                <a:solidFill>
-                  <a:srgbClr val="000000"/>
-                </a:solidFill>
-                <a:latin typeface="Arial" panose="020B0604020202020204" pitchFamily="34" charset="0"/>
-                <a:cs typeface="Arial" panose="020B0604020202020204" pitchFamily="34" charset="0"/>
-              </a:rPr>
-              <a:t>A Review of Machine Learning Algorithms for</a:t>
-            </a:r>
-          </a:p>
-          <a:p>
-            <a:pPr algn="ctr"/>
-            <a:r>
-              <a:rPr lang="en-US" b="0" i="0" u="none" strike="noStrike" baseline="0" dirty="0">
-                <a:solidFill>
-                  <a:srgbClr val="000000"/>
-                </a:solidFill>
-                <a:latin typeface="Arial" panose="020B0604020202020204" pitchFamily="34" charset="0"/>
-                <a:cs typeface="Arial" panose="020B0604020202020204" pitchFamily="34" charset="0"/>
-              </a:rPr>
-              <a:t>Text-Documents Classification</a:t>
-            </a:r>
-            <a:endParaRPr lang="en-US" sz="40300" b="1" dirty="0">
-              <a:solidFill>
-                <a:srgbClr val="00B0F0"/>
-              </a:solidFill>
-              <a:latin typeface="Arial" panose="020B0604020202020204" pitchFamily="34" charset="0"/>
-              <a:cs typeface="Arial" panose="020B0604020202020204" pitchFamily="34" charset="0"/>
-            </a:endParaRPr>
-          </a:p>
-        </p:txBody>
-      </p:sp>
-      <p:sp>
-        <p:nvSpPr>
-          <p:cNvPr id="8" name="כותרת 1">
-            <a:extLst>
-              <a:ext uri="{FF2B5EF4-FFF2-40B4-BE49-F238E27FC236}">
-                <a16:creationId xmlns:a16="http://schemas.microsoft.com/office/drawing/2014/main" id="{7CC21EBA-718E-46B6-9182-1168A9C53569}"/>
-              </a:ext>
-            </a:extLst>
-          </p:cNvPr>
-          <p:cNvSpPr txBox="1">
-            <a:spLocks/>
-          </p:cNvSpPr>
-          <p:nvPr/>
-        </p:nvSpPr>
-        <p:spPr>
-          <a:xfrm>
-            <a:off x="899492" y="3130808"/>
-            <a:ext cx="10515600" cy="1325563"/>
-          </a:xfrm>
-          <a:prstGeom prst="rect">
-            <a:avLst/>
-          </a:prstGeom>
-        </p:spPr>
-        <p:txBody>
-          <a:bodyPr vert="horz" lIns="91440" tIns="45720" rIns="91440" bIns="45720" rtlCol="1" anchor="ctr">
-            <a:normAutofit/>
-          </a:bodyPr>
-          <a:lstStyle>
-            <a:lvl1pPr algn="r" defTabSz="914400" rtl="1" eaLnBrk="1" latinLnBrk="0" hangingPunct="1">
-              <a:lnSpc>
-                <a:spcPct val="90000"/>
-              </a:lnSpc>
-              <a:spcBef>
-                <a:spcPct val="0"/>
-              </a:spcBef>
-              <a:buNone/>
-              <a:defRPr sz="4400" kern="1200">
-                <a:solidFill>
-                  <a:schemeClr val="tx1"/>
-                </a:solidFill>
-                <a:latin typeface="+mj-lt"/>
-                <a:ea typeface="+mj-ea"/>
-                <a:cs typeface="+mj-cs"/>
-              </a:defRPr>
-            </a:lvl1pPr>
-          </a:lstStyle>
-          <a:p>
-            <a:pPr algn="ctr" rtl="0"/>
-            <a:r>
-              <a:rPr lang="en-US" sz="2400" dirty="0">
-                <a:solidFill>
-                  <a:srgbClr val="0070C0"/>
-                </a:solidFill>
-                <a:latin typeface="Arial" panose="020B0604020202020204" pitchFamily="34" charset="0"/>
-                <a:cs typeface="Arial" panose="020B0604020202020204" pitchFamily="34" charset="0"/>
-              </a:rPr>
-              <a:t>Aurangzeb Khan, </a:t>
-            </a:r>
-            <a:r>
-              <a:rPr lang="en-US" sz="2400" dirty="0" err="1">
-                <a:solidFill>
-                  <a:srgbClr val="0070C0"/>
-                </a:solidFill>
-                <a:latin typeface="Arial" panose="020B0604020202020204" pitchFamily="34" charset="0"/>
-                <a:cs typeface="Arial" panose="020B0604020202020204" pitchFamily="34" charset="0"/>
-              </a:rPr>
-              <a:t>Baharum</a:t>
-            </a:r>
-            <a:r>
-              <a:rPr lang="en-US" sz="2400" dirty="0">
-                <a:solidFill>
-                  <a:srgbClr val="0070C0"/>
-                </a:solidFill>
-                <a:latin typeface="Arial" panose="020B0604020202020204" pitchFamily="34" charset="0"/>
-                <a:cs typeface="Arial" panose="020B0604020202020204" pitchFamily="34" charset="0"/>
-              </a:rPr>
-              <a:t> </a:t>
-            </a:r>
-            <a:r>
-              <a:rPr lang="en-US" sz="2400" dirty="0" err="1">
-                <a:solidFill>
-                  <a:srgbClr val="0070C0"/>
-                </a:solidFill>
-                <a:latin typeface="Arial" panose="020B0604020202020204" pitchFamily="34" charset="0"/>
-                <a:cs typeface="Arial" panose="020B0604020202020204" pitchFamily="34" charset="0"/>
-              </a:rPr>
-              <a:t>Baharudin</a:t>
-            </a:r>
-            <a:r>
-              <a:rPr lang="en-US" sz="2400" dirty="0">
-                <a:solidFill>
-                  <a:srgbClr val="0070C0"/>
-                </a:solidFill>
-                <a:latin typeface="Arial" panose="020B0604020202020204" pitchFamily="34" charset="0"/>
-                <a:cs typeface="Arial" panose="020B0604020202020204" pitchFamily="34" charset="0"/>
-              </a:rPr>
-              <a:t>, Lam Hong Lee*, </a:t>
-            </a:r>
-            <a:r>
-              <a:rPr lang="en-US" sz="2400" dirty="0" err="1">
-                <a:solidFill>
-                  <a:srgbClr val="0070C0"/>
-                </a:solidFill>
-                <a:latin typeface="Arial" panose="020B0604020202020204" pitchFamily="34" charset="0"/>
-                <a:cs typeface="Arial" panose="020B0604020202020204" pitchFamily="34" charset="0"/>
-              </a:rPr>
-              <a:t>Khairullah</a:t>
-            </a:r>
-            <a:r>
-              <a:rPr lang="en-US" sz="2400" dirty="0">
-                <a:solidFill>
-                  <a:srgbClr val="0070C0"/>
-                </a:solidFill>
-                <a:latin typeface="Arial" panose="020B0604020202020204" pitchFamily="34" charset="0"/>
-                <a:cs typeface="Arial" panose="020B0604020202020204" pitchFamily="34" charset="0"/>
-              </a:rPr>
-              <a:t> khan</a:t>
-            </a:r>
-            <a:endParaRPr lang="en-US" sz="7200" b="1" dirty="0">
-              <a:solidFill>
-                <a:srgbClr val="0070C0"/>
-              </a:solidFill>
-              <a:latin typeface="Arial" panose="020B0604020202020204" pitchFamily="34" charset="0"/>
-              <a:cs typeface="Arial" panose="020B0604020202020204" pitchFamily="34" charset="0"/>
-            </a:endParaRPr>
-          </a:p>
-        </p:txBody>
-      </p:sp>
-      <p:sp>
-        <p:nvSpPr>
-          <p:cNvPr id="3" name="תיבת טקסט 2">
-            <a:extLst>
-              <a:ext uri="{FF2B5EF4-FFF2-40B4-BE49-F238E27FC236}">
-                <a16:creationId xmlns:a16="http://schemas.microsoft.com/office/drawing/2014/main" id="{2E50B174-1151-4FC3-8279-106732658605}"/>
-              </a:ext>
-            </a:extLst>
-          </p:cNvPr>
-          <p:cNvSpPr txBox="1"/>
-          <p:nvPr/>
-        </p:nvSpPr>
-        <p:spPr>
-          <a:xfrm>
-            <a:off x="190500" y="5388980"/>
-            <a:ext cx="3143250" cy="1497300"/>
-          </a:xfrm>
-          <a:prstGeom prst="rect">
-            <a:avLst/>
-          </a:prstGeom>
-        </p:spPr>
-        <p:txBody>
           <a:bodyPr vert="horz" wrap="square" lIns="91440" tIns="45720" rIns="91440" bIns="45720" rtlCol="1" anchor="ctr">
             <a:noAutofit/>
           </a:bodyPr>
@@ -4589,174 +4720,15 @@
               </a:lnSpc>
             </a:pPr>
             <a:r>
-              <a:rPr lang="he-IL" sz="2400" dirty="0">
+              <a:rPr lang="en-US" sz="6600" dirty="0">
                 <a:solidFill>
-                  <a:srgbClr val="002060"/>
-                </a:solidFill>
-                <a:latin typeface="Arial" panose="020B0604020202020204" pitchFamily="34" charset="0"/>
-                <a:cs typeface="Arial" panose="020B0604020202020204" pitchFamily="34" charset="0"/>
-              </a:rPr>
-              <a:t>Moran</a:t>
-            </a:r>
-            <a:r>
-              <a:rPr lang="he-IL" sz="2400" dirty="0">
-                <a:solidFill>
-                  <a:srgbClr val="002060"/>
+                  <a:srgbClr val="56d5ff"/>
                 </a:solidFill>
                 <a:latin typeface="Arial" panose="020B0604020202020204" pitchFamily="34" charset="0"/>
                 <a:ea typeface="+mn-ea"/>
                 <a:cs typeface="Arial" panose="020B0604020202020204" pitchFamily="34" charset="0"/>
               </a:rPr>
-              <a:t> </a:t>
-            </a:r>
-            <a:r>
-              <a:rPr lang="he-IL" sz="2400" dirty="0">
-                <a:solidFill>
-                  <a:srgbClr val="002060"/>
-                </a:solidFill>
-                <a:latin typeface="Arial" panose="020B0604020202020204" pitchFamily="34" charset="0"/>
-                <a:cs typeface="Arial" panose="020B0604020202020204" pitchFamily="34" charset="0"/>
-              </a:rPr>
-              <a:t>Abitbul</a:t>
-            </a:r>
-            <a:endParaRPr lang="he-IL" sz="2400" dirty="0">
-              <a:solidFill>
-                <a:srgbClr val="002060"/>
-              </a:solidFill>
-              <a:latin typeface="Arial" panose="020B0604020202020204" pitchFamily="34" charset="0"/>
-              <a:ea typeface="+mn-ea"/>
-              <a:cs typeface="Arial" panose="020B0604020202020204" pitchFamily="34" charset="0"/>
-            </a:endParaRPr>
-          </a:p>
-          <a:p>
-            <a:pPr algn="l" rtl="0">
-              <a:lnSpc>
-                <a:spcPct val="150000"/>
-              </a:lnSpc>
-            </a:pPr>
-            <a:r>
-              <a:rPr lang="en-US" sz="2400" dirty="0">
-                <a:solidFill>
-                  <a:srgbClr val="002060"/>
-                </a:solidFill>
-                <a:latin typeface="Arial" panose="020B0604020202020204" pitchFamily="34" charset="0"/>
-                <a:cs typeface="Arial" panose="020B0604020202020204" pitchFamily="34" charset="0"/>
-              </a:rPr>
-              <a:t>T</a:t>
-            </a:r>
-            <a:r>
-              <a:rPr lang="he-IL" sz="2400" dirty="0">
-                <a:solidFill>
-                  <a:srgbClr val="002060"/>
-                </a:solidFill>
-                <a:latin typeface="Arial" panose="020B0604020202020204" pitchFamily="34" charset="0"/>
-                <a:cs typeface="Arial" panose="020B0604020202020204" pitchFamily="34" charset="0"/>
-              </a:rPr>
-              <a:t>air </a:t>
-            </a:r>
-            <a:r>
-              <a:rPr lang="en-US" sz="2400" dirty="0">
-                <a:solidFill>
-                  <a:srgbClr val="002060"/>
-                </a:solidFill>
-                <a:latin typeface="Arial" panose="020B0604020202020204" pitchFamily="34" charset="0"/>
-                <a:cs typeface="Arial" panose="020B0604020202020204" pitchFamily="34" charset="0"/>
-              </a:rPr>
-              <a:t>F</a:t>
-            </a:r>
-            <a:r>
-              <a:rPr lang="he-IL" sz="2400" dirty="0">
-                <a:solidFill>
-                  <a:srgbClr val="002060"/>
-                </a:solidFill>
-                <a:latin typeface="Arial" panose="020B0604020202020204" pitchFamily="34" charset="0"/>
-                <a:cs typeface="Arial" panose="020B0604020202020204" pitchFamily="34" charset="0"/>
-              </a:rPr>
-              <a:t>arangi</a:t>
-            </a:r>
-            <a:endParaRPr lang="he-IL" sz="2400" dirty="0">
-              <a:solidFill>
-                <a:srgbClr val="002060"/>
-              </a:solidFill>
-              <a:latin typeface="Arial" panose="020B0604020202020204" pitchFamily="34" charset="0"/>
-              <a:ea typeface="+mn-ea"/>
-              <a:cs typeface="Arial" panose="020B0604020202020204" pitchFamily="34" charset="0"/>
-            </a:endParaRPr>
-          </a:p>
-        </p:txBody>
-      </p:sp>
-    </p:spTree>
-    <p:extLst>
-      <p:ext uri="{BB962C8B-B14F-4D97-AF65-F5344CB8AC3E}">
-        <p14:creationId xmlns:p14="http://schemas.microsoft.com/office/powerpoint/2010/main" val="2094803981"/>
-      </p:ext>
-    </p:extLst>
-  </p:cSld>
-  <p:clrMapOvr>
-    <a:masterClrMapping/>
-  </p:clrMapOvr>
-</p:sld>
-</file>
-
-<file path=ppt/slides/slide2.xml><?xml version="1.0" encoding="utf-8"?>
-<p:sld xmlns:a="http://schemas.openxmlformats.org/drawingml/2006/main" xmlns:r="http://schemas.openxmlformats.org/officeDocument/2006/relationships" xmlns:p="http://schemas.openxmlformats.org/presentationml/2006/main">
-  <p:cSld>
-    <p:spTree>
-      <p:nvGrpSpPr>
-        <p:cNvPr id="1" name=""/>
-        <p:cNvGrpSpPr/>
-        <p:nvPr/>
-      </p:nvGrpSpPr>
-      <p:grpSpPr>
-        <a:xfrm>
-          <a:off x="0" y="0"/>
-          <a:ext cx="0" cy="0"/>
-          <a:chOff x="0" y="0"/>
-          <a:chExt cx="0" cy="0"/>
-        </a:xfrm>
-      </p:grpSpPr>
-      <p:sp>
-        <p:nvSpPr>
-          <p:cNvPr id="2" name="תיבת טקסט 1">
-            <a:extLst>
-              <a:ext uri="{FF2B5EF4-FFF2-40B4-BE49-F238E27FC236}">
-                <a16:creationId xmlns:a16="http://schemas.microsoft.com/office/drawing/2014/main" id="{A40F6A0E-9980-4F42-A39C-2364B60054B9}"/>
-              </a:ext>
-            </a:extLst>
-          </p:cNvPr>
-          <p:cNvSpPr txBox="1"/>
-          <p:nvPr/>
-        </p:nvSpPr>
-        <p:spPr>
-          <a:xfrm>
-            <a:off x="707367" y="396815"/>
-            <a:ext cx="3364302" cy="1017916"/>
-          </a:xfrm>
-          <a:prstGeom prst="rect">
-            <a:avLst/>
-          </a:prstGeom>
-        </p:spPr>
-        <p:txBody>
-          <a:bodyPr vert="horz" wrap="square" lIns="91440" tIns="45720" rIns="91440" bIns="45720" rtlCol="1" anchor="ctr">
-            <a:noAutofit/>
-          </a:bodyPr>
-          <a:lstStyle/>
-          <a:p>
-            <a:pPr algn="l" rtl="0">
-              <a:lnSpc>
-                <a:spcPct val="150000"/>
-              </a:lnSpc>
-            </a:pPr>
-            <a:r>
-              <a:rPr lang="en-US" sz="6600" dirty="0">
-                <a:solidFill>
-                  <a:srgbClr val="00B0F0"/>
-                </a:solidFill>
-                <a:latin typeface="Arial" panose="020B0604020202020204" pitchFamily="34" charset="0"/>
-                <a:ea typeface="+mn-ea"/>
-                <a:cs typeface="Arial" panose="020B0604020202020204" pitchFamily="34" charset="0"/>
-              </a:rPr>
-              <a:t>Outline</a:t>
+              <a:t>Outline.</a:t>
             </a:r>
             <a:endParaRPr lang="he-IL" sz="6600" dirty="0">
               <a:solidFill>
@@ -4805,15 +4777,22 @@
               <a:buChar char="•"/>
             </a:pPr>
             <a:r>
-              <a:rPr lang="en-US" sz="3200" dirty="0">
+              <a:rPr lang="en-US" sz="3200">
                 <a:solidFill>
-                  <a:srgbClr val="0070C0"/>
+                  <a:srgbClr val="b6f4ff"/>
                 </a:solidFill>
                 <a:latin typeface="Arial" panose="020B0604020202020204" pitchFamily="34" charset="0"/>
                 <a:cs typeface="Arial" panose="020B0604020202020204" pitchFamily="34" charset="0"/>
               </a:rPr>
-              <a:t>Machine Learning  </a:t>
-            </a:r>
+              <a:t>Machine Learning.</a:t>
+            </a:r>
+            <a:endParaRPr lang="en-US" sz="3200" dirty="0">
+              <a:solidFill>
+                <a:srgbClr val="0070C0"/>
+              </a:solidFill>
+              <a:latin typeface="Arial" panose="020B0604020202020204" pitchFamily="34" charset="0"/>
+              <a:cs typeface="Arial" panose="020B0604020202020204" pitchFamily="34" charset="0"/>
+            </a:endParaRPr>
           </a:p>
           <a:p>
             <a:pPr marL="1257300" lvl="2" indent="-342900" algn="l" rtl="0">
@@ -4826,12 +4805,12 @@
             <a:r>
               <a:rPr lang="en-US" sz="2800" dirty="0">
                 <a:solidFill>
-                  <a:srgbClr val="0070C0"/>
+                  <a:srgbClr val="b6f4ff"/>
                 </a:solidFill>
                 <a:latin typeface="Arial" panose="020B0604020202020204" pitchFamily="34" charset="0"/>
                 <a:cs typeface="Arial" panose="020B0604020202020204" pitchFamily="34" charset="0"/>
               </a:rPr>
-              <a:t>Definitions</a:t>
+              <a:t>Definitions.</a:t>
             </a:r>
           </a:p>
           <a:p>
@@ -4848,8 +4827,11 @@
                 <a:latin typeface="Arial" panose="020B0604020202020204" pitchFamily="34" charset="0"/>
                 <a:ea typeface="Calibri" panose="020F0502020204030204" pitchFamily="34" charset="0"/>
                 <a:cs typeface="Arial" panose="020B0604020202020204" pitchFamily="34" charset="0"/>
+                <a:solidFill>
+                  <a:srgbClr val="ffffff"/>
+                </a:solidFill>
               </a:rPr>
-              <a:t>Text Mining</a:t>
+              <a:t>Text Mining.</a:t>
             </a:r>
           </a:p>
           <a:p>
@@ -4866,8 +4848,11 @@
                 <a:latin typeface="Arial" panose="020B0604020202020204" pitchFamily="34" charset="0"/>
                 <a:ea typeface="Calibri" panose="020F0502020204030204" pitchFamily="34" charset="0"/>
                 <a:cs typeface="Arial" panose="020B0604020202020204" pitchFamily="34" charset="0"/>
+                <a:solidFill>
+                  <a:srgbClr val="ffffff"/>
+                </a:solidFill>
               </a:rPr>
-              <a:t>Learning Algorithm</a:t>
+              <a:t>Learning Algorithm.</a:t>
             </a:r>
           </a:p>
           <a:p>
@@ -4884,8 +4869,11 @@
                 <a:latin typeface="Arial" panose="020B0604020202020204" pitchFamily="34" charset="0"/>
                 <a:ea typeface="Calibri" panose="020F0502020204030204" pitchFamily="34" charset="0"/>
                 <a:cs typeface="Arial" panose="020B0604020202020204" pitchFamily="34" charset="0"/>
+                <a:solidFill>
+                  <a:srgbClr val="ffffff"/>
+                </a:solidFill>
               </a:rPr>
-              <a:t>Text mining for market prediction</a:t>
+              <a:t>Text mining for market prediction.</a:t>
             </a:r>
           </a:p>
           <a:p>
@@ -4900,8 +4888,11 @@
               <a:rPr lang="en-US" sz="3200" dirty="0">
                 <a:latin typeface="Arial" panose="020B0604020202020204" pitchFamily="34" charset="0"/>
                 <a:cs typeface="Arial" panose="020B0604020202020204" pitchFamily="34" charset="0"/>
+                <a:solidFill>
+                  <a:srgbClr val="ffffff"/>
+                </a:solidFill>
               </a:rPr>
-              <a:t>Conclusions</a:t>
+              <a:t>Conclusions.</a:t>
             </a:r>
           </a:p>
         </p:txBody>
@@ -4936,134 +4927,6 @@
           <a:chExt cx="0" cy="0"/>
         </a:xfrm>
       </p:grpSpPr>
-      <p:sp>
-        <p:nvSpPr>
-          <p:cNvPr id="8" name="תיבת טקסט 7">
-            <a:extLst>
-              <a:ext uri="{FF2B5EF4-FFF2-40B4-BE49-F238E27FC236}">
-                <a16:creationId xmlns:a16="http://schemas.microsoft.com/office/drawing/2014/main" id="{6B3ECC06-7EEC-4DFE-ABAF-3864E52F03F8}"/>
-              </a:ext>
-            </a:extLst>
-          </p:cNvPr>
-          <p:cNvSpPr txBox="1"/>
-          <p:nvPr/>
-        </p:nvSpPr>
-        <p:spPr>
-          <a:xfrm>
-            <a:off x="838201" y="1782057"/>
-            <a:ext cx="10515599" cy="2874826"/>
-          </a:xfrm>
-          <a:prstGeom prst="rect">
-            <a:avLst/>
-          </a:prstGeom>
-          <a:noFill/>
-        </p:spPr>
-        <p:txBody>
-          <a:bodyPr wrap="square">
-            <a:spAutoFit/>
-          </a:bodyPr>
-          <a:lstStyle/>
-          <a:p>
-            <a:pPr algn="l" rtl="0">
-              <a:lnSpc>
-                <a:spcPct val="150000"/>
-              </a:lnSpc>
-            </a:pPr>
-            <a:r>
-              <a:rPr lang="en-US" sz="2800" dirty="0">
-                <a:latin typeface="Arial" panose="020B0604020202020204" pitchFamily="34" charset="0"/>
-                <a:cs typeface="Arial" panose="020B0604020202020204" pitchFamily="34" charset="0"/>
-              </a:rPr>
-              <a:t>Machine Learning:</a:t>
-            </a:r>
-          </a:p>
-          <a:p>
-            <a:pPr lvl="1" algn="l" rtl="0">
-              <a:lnSpc>
-                <a:spcPct val="150000"/>
-              </a:lnSpc>
-            </a:pPr>
-            <a:r>
-              <a:rPr lang="en-US" sz="2000" dirty="0">
-                <a:solidFill>
-                  <a:srgbClr val="0070C0"/>
-                </a:solidFill>
-                <a:latin typeface="Arial" panose="020B0604020202020204" pitchFamily="34" charset="0"/>
-                <a:cs typeface="Arial" panose="020B0604020202020204" pitchFamily="34" charset="0"/>
-              </a:rPr>
-              <a:t>Allow the computer to learn from examples. Runs on a variety of computational tasks where classic programming is not possible.</a:t>
-            </a:r>
-          </a:p>
-          <a:p>
-            <a:pPr algn="l" rtl="0">
-              <a:lnSpc>
-                <a:spcPct val="150000"/>
-              </a:lnSpc>
-            </a:pPr>
-            <a:r>
-              <a:rPr lang="en-US" sz="2800" dirty="0">
-                <a:latin typeface="Arial" panose="020B0604020202020204" pitchFamily="34" charset="0"/>
-                <a:cs typeface="Arial" panose="020B0604020202020204" pitchFamily="34" charset="0"/>
-              </a:rPr>
-              <a:t>Supervised Learning. Unsupervised Learning. Reinforcement Learning.</a:t>
-            </a:r>
-          </a:p>
-        </p:txBody>
-      </p:sp>
-      <p:sp>
-        <p:nvSpPr>
-          <p:cNvPr id="2" name="תיבת טקסט 1">
-            <a:extLst>
-              <a:ext uri="{FF2B5EF4-FFF2-40B4-BE49-F238E27FC236}">
-                <a16:creationId xmlns:a16="http://schemas.microsoft.com/office/drawing/2014/main" id="{74D2AA6D-0FC3-4ED6-840A-01A2DAF38E72}"/>
-              </a:ext>
-            </a:extLst>
-          </p:cNvPr>
-          <p:cNvSpPr txBox="1"/>
-          <p:nvPr/>
-        </p:nvSpPr>
-        <p:spPr>
-          <a:xfrm>
-            <a:off x="396814" y="499867"/>
-            <a:ext cx="5247523" cy="817175"/>
-          </a:xfrm>
-          <a:prstGeom prst="rect">
-            <a:avLst/>
-          </a:prstGeom>
-        </p:spPr>
-        <p:txBody>
-          <a:bodyPr vert="horz" wrap="square" lIns="91440" tIns="45720" rIns="91440" bIns="45720" rtlCol="1" anchor="ctr">
-            <a:noAutofit/>
-          </a:bodyPr>
-          <a:lstStyle/>
-          <a:p>
-            <a:pPr algn="l" rtl="0">
-              <a:lnSpc>
-                <a:spcPct val="150000"/>
-              </a:lnSpc>
-            </a:pPr>
-            <a:r>
-              <a:rPr lang="en-US" sz="4400" dirty="0">
-                <a:solidFill>
-                  <a:srgbClr val="00B0F0"/>
-                </a:solidFill>
-                <a:latin typeface="Arial" panose="020B0604020202020204" pitchFamily="34" charset="0"/>
-                <a:ea typeface="+mn-ea"/>
-                <a:cs typeface="Arial" panose="020B0604020202020204" pitchFamily="34" charset="0"/>
-              </a:rPr>
-              <a:t>Definitions [1] </a:t>
-            </a:r>
-            <a:endParaRPr lang="he-IL" sz="4400" dirty="0">
-              <a:solidFill>
-                <a:srgbClr val="00B0F0"/>
-              </a:solidFill>
-              <a:latin typeface="Arial" panose="020B0604020202020204" pitchFamily="34" charset="0"/>
-              <a:ea typeface="+mn-ea"/>
-              <a:cs typeface="Arial" panose="020B0604020202020204" pitchFamily="34" charset="0"/>
-            </a:endParaRPr>
-          </a:p>
-        </p:txBody>
-      </p:sp>
       <p:pic>
         <p:nvPicPr>
           <p:cNvPr id="3" name="תמונה 2">
@@ -5086,7 +4949,7 @@
         </p:blipFill>
         <p:spPr>
           <a:xfrm>
-            <a:off x="6415088" y="3996739"/>
+            <a:off x="6604870" y="4105192"/>
             <a:ext cx="5247523" cy="2632038"/>
           </a:xfrm>
           <a:prstGeom prst="rect">
@@ -5094,6 +4957,145 @@
           </a:prstGeom>
         </p:spPr>
       </p:pic>
+      <p:sp>
+        <p:nvSpPr>
+          <p:cNvPr id="2" name="תיבת טקסט 1">
+            <a:extLst>
+              <a:ext uri="{FF2B5EF4-FFF2-40B4-BE49-F238E27FC236}">
+                <a16:creationId xmlns:a16="http://schemas.microsoft.com/office/drawing/2014/main" id="{74D2AA6D-0FC3-4ED6-840A-01A2DAF38E72}"/>
+              </a:ext>
+            </a:extLst>
+          </p:cNvPr>
+          <p:cNvSpPr txBox="1"/>
+          <p:nvPr/>
+        </p:nvSpPr>
+        <p:spPr>
+          <a:xfrm>
+            <a:off x="396814" y="499867"/>
+            <a:ext cx="5247523" cy="817175"/>
+          </a:xfrm>
+          <a:prstGeom prst="rect">
+            <a:avLst/>
+          </a:prstGeom>
+        </p:spPr>
+        <p:txBody>
+          <a:bodyPr vert="horz" wrap="square" lIns="91440" tIns="45720" rIns="91440" bIns="45720" rtlCol="1" anchor="ctr">
+            <a:noAutofit/>
+          </a:bodyPr>
+          <a:lstStyle/>
+          <a:p>
+            <a:pPr algn="l" rtl="0">
+              <a:lnSpc>
+                <a:spcPct val="150000"/>
+              </a:lnSpc>
+            </a:pPr>
+            <a:r>
+              <a:rPr lang="en-US" sz="4400" dirty="0">
+                <a:solidFill>
+                  <a:srgbClr val="00B0F0"/>
+                </a:solidFill>
+                <a:latin typeface="Arial" panose="020B0604020202020204" pitchFamily="34" charset="0"/>
+                <a:ea typeface="+mn-ea"/>
+                <a:cs typeface="Arial" panose="020B0604020202020204" pitchFamily="34" charset="0"/>
+              </a:rPr>
+              <a:t>Definitions [1] </a:t>
+            </a:r>
+            <a:endParaRPr lang="he-IL" sz="4400" dirty="0">
+              <a:solidFill>
+                <a:srgbClr val="00B0F0"/>
+              </a:solidFill>
+              <a:latin typeface="Arial" panose="020B0604020202020204" pitchFamily="34" charset="0"/>
+              <a:ea typeface="+mn-ea"/>
+              <a:cs typeface="Arial" panose="020B0604020202020204" pitchFamily="34" charset="0"/>
+            </a:endParaRPr>
+          </a:p>
+        </p:txBody>
+      </p:sp>
+      <p:sp>
+        <p:nvSpPr>
+          <p:cNvPr id="4" name="תיבת טקסט 3">
+            <a:extLst>
+              <a:ext uri="{FF2B5EF4-FFF2-40B4-BE49-F238E27FC236}">
+                <a16:creationId xmlns:a16="http://schemas.microsoft.com/office/drawing/2014/main" id="{B333A237-980A-41BD-97B9-8744AE1732AD}"/>
+              </a:ext>
+            </a:extLst>
+          </p:cNvPr>
+          <p:cNvSpPr txBox="1"/>
+          <p:nvPr/>
+        </p:nvSpPr>
+        <p:spPr>
+          <a:xfrm>
+            <a:off x="517585" y="2112981"/>
+            <a:ext cx="11674415" cy="2632038"/>
+          </a:xfrm>
+          <a:prstGeom prst="rect">
+            <a:avLst/>
+          </a:prstGeom>
+        </p:spPr>
+        <p:txBody>
+          <a:bodyPr vert="horz" wrap="square" lIns="91440" tIns="45720" rIns="91440" bIns="45720" rtlCol="1" anchor="ctr">
+            <a:noAutofit/>
+          </a:bodyPr>
+          <a:lstStyle/>
+          <a:p>
+            <a:pPr algn="l" rtl="0">
+              <a:lnSpc>
+                <a:spcPct val="150000"/>
+              </a:lnSpc>
+            </a:pPr>
+            <a:r>
+              <a:rPr lang="en-US" sz="2800" dirty="0">
+                <a:latin typeface="Arial" panose="020B0604020202020204" pitchFamily="34" charset="0"/>
+                <a:cs typeface="Arial" panose="020B0604020202020204" pitchFamily="34" charset="0"/>
+              </a:rPr>
+              <a:t>Machine Learning:</a:t>
+            </a:r>
+          </a:p>
+          <a:p>
+            <a:pPr lvl="1" algn="l" rtl="0">
+              <a:lnSpc>
+                <a:spcPct val="150000"/>
+              </a:lnSpc>
+            </a:pPr>
+            <a:r>
+              <a:rPr lang="en-US" sz="2000" dirty="0">
+                <a:solidFill>
+                  <a:srgbClr val="0070C0"/>
+                </a:solidFill>
+                <a:latin typeface="Arial" panose="020B0604020202020204" pitchFamily="34" charset="0"/>
+                <a:cs typeface="Arial" panose="020B0604020202020204" pitchFamily="34" charset="0"/>
+              </a:rPr>
+              <a:t>Allow the computer to learn from examples. Runs on a variety of computational tasks where classic programming is not possible.</a:t>
+            </a:r>
+          </a:p>
+          <a:p>
+            <a:pPr algn="l" rtl="0">
+              <a:lnSpc>
+                <a:spcPct val="150000"/>
+              </a:lnSpc>
+            </a:pPr>
+            <a:r>
+              <a:rPr lang="en-US" sz="2800" dirty="0">
+                <a:latin typeface="Arial" panose="020B0604020202020204" pitchFamily="34" charset="0"/>
+                <a:cs typeface="Arial" panose="020B0604020202020204" pitchFamily="34" charset="0"/>
+              </a:rPr>
+              <a:t>Supervised Learning. Unsupervised Learning. Reinforcement Learning.</a:t>
+            </a:r>
+          </a:p>
+          <a:p>
+            <a:pPr algn="l" rtl="0">
+              <a:lnSpc>
+                <a:spcPct val="150000"/>
+              </a:lnSpc>
+            </a:pPr>
+            <a:endParaRPr lang="he-IL" sz="2800" dirty="0">
+              <a:latin typeface="Arial" panose="020B0604020202020204" pitchFamily="34" charset="0"/>
+              <a:ea typeface="+mn-ea"/>
+              <a:cs typeface="Arial" panose="020B0604020202020204" pitchFamily="34" charset="0"/>
+            </a:endParaRPr>
+          </a:p>
+        </p:txBody>
+      </p:sp>
     </p:spTree>
     <p:extLst>
       <p:ext uri="{BB962C8B-B14F-4D97-AF65-F5344CB8AC3E}">

--- a/server/uploads/updated-semi.pptx
+++ b/server/uploads/updated-semi.pptx
@@ -4282,389 +4282,6 @@
 <file path=ppt/slides/slide1.xml><?xml version="1.0" encoding="utf-8"?>
 <p:sld xmlns:a="http://schemas.openxmlformats.org/drawingml/2006/main" xmlns:r="http://schemas.openxmlformats.org/officeDocument/2006/relationships" xmlns:p="http://schemas.openxmlformats.org/presentationml/2006/main">
   <p:cSld>
-    <p:spTree>
-      <p:nvGrpSpPr>
-        <p:cNvPr id="1" name=""/>
-        <p:cNvGrpSpPr/>
-        <p:nvPr/>
-      </p:nvGrpSpPr>
-      <p:grpSpPr>
-        <a:xfrm>
-          <a:off x="0" y="0"/>
-          <a:ext cx="0" cy="0"/>
-          <a:chOff x="0" y="0"/>
-          <a:chExt cx="0" cy="0"/>
-        </a:xfrm>
-      </p:grpSpPr>
-      <p:sp>
-        <p:nvSpPr>
-          <p:cNvPr id="7" name="כותרת 1">
-            <a:extLst>
-              <a:ext uri="{FF2B5EF4-FFF2-40B4-BE49-F238E27FC236}">
-                <a16:creationId xmlns:a16="http://schemas.microsoft.com/office/drawing/2014/main" id="{1FF3C46F-92A1-4D2A-AF4D-5625790FAC81}"/>
-              </a:ext>
-            </a:extLst>
-          </p:cNvPr>
-          <p:cNvSpPr txBox="1">
-            <a:spLocks/>
-          </p:cNvSpPr>
-          <p:nvPr/>
-        </p:nvSpPr>
-        <p:spPr>
-          <a:xfrm>
-            <a:off x="-43071" y="1013351"/>
-            <a:ext cx="12235071" cy="2212422"/>
-          </a:xfrm>
-          <a:prstGeom prst="rect">
-            <a:avLst/>
-          </a:prstGeom>
-        </p:spPr>
-        <p:txBody>
-          <a:bodyPr vert="horz" lIns="91440" tIns="45720" rIns="91440" bIns="45720" rtlCol="1" anchor="ctr">
-            <a:normAutofit/>
-          </a:bodyPr>
-          <a:lstStyle>
-            <a:lvl1pPr algn="r" defTabSz="914400" rtl="1" eaLnBrk="1" latinLnBrk="0" hangingPunct="1">
-              <a:lnSpc>
-                <a:spcPct val="90000"/>
-              </a:lnSpc>
-              <a:spcBef>
-                <a:spcPct val="0"/>
-              </a:spcBef>
-              <a:buNone/>
-              <a:defRPr sz="4400" kern="1200">
-                <a:solidFill>
-                  <a:schemeClr val="tx1"/>
-                </a:solidFill>
-                <a:latin typeface="+mj-lt"/>
-                <a:ea typeface="+mj-ea"/>
-                <a:cs typeface="+mj-cs"/>
-              </a:defRPr>
-            </a:lvl1pPr>
-          </a:lstStyle>
-          <a:p>
-            <a:pPr algn="ctr"/>
-            <a:r>
-              <a:rPr lang="en-US" b="0" i="0" u="none" strike="noStrike" baseline="0" dirty="0">
-                <a:solidFill>
-                  <a:srgbClr val="00B0F0"/>
-                </a:solidFill>
-                <a:latin typeface="Arial" panose="020B0604020202020204" pitchFamily="34" charset="0"/>
-                <a:cs typeface="Arial" panose="020B0604020202020204" pitchFamily="34" charset="0"/>
-              </a:rPr>
-              <a:t>A Review of Machine Learning Algorithms for</a:t>
-            </a:r>
-          </a:p>
-          <a:p>
-            <a:pPr algn="ctr"/>
-            <a:r>
-              <a:rPr lang="en-US" b="0" i="0" u="none" strike="noStrike" baseline="0" dirty="0">
-                <a:solidFill>
-                  <a:srgbClr val="00B0F0"/>
-                </a:solidFill>
-                <a:latin typeface="Arial" panose="020B0604020202020204" pitchFamily="34" charset="0"/>
-                <a:cs typeface="Arial" panose="020B0604020202020204" pitchFamily="34" charset="0"/>
-              </a:rPr>
-              <a:t>Text-Documents Classification</a:t>
-            </a:r>
-            <a:endParaRPr lang="en-US" sz="40300" b="1" dirty="0">
-              <a:solidFill>
-                <a:srgbClr val="00B0F0"/>
-              </a:solidFill>
-              <a:latin typeface="Arial" panose="020B0604020202020204" pitchFamily="34" charset="0"/>
-              <a:cs typeface="Arial" panose="020B0604020202020204" pitchFamily="34" charset="0"/>
-            </a:endParaRPr>
-          </a:p>
-        </p:txBody>
-      </p:sp>
-      <p:sp>
-        <p:nvSpPr>
-          <p:cNvPr id="3" name="תיבת טקסט 2">
-            <a:extLst>
-              <a:ext uri="{FF2B5EF4-FFF2-40B4-BE49-F238E27FC236}">
-                <a16:creationId xmlns:a16="http://schemas.microsoft.com/office/drawing/2014/main" id="{2E50B174-1151-4FC3-8279-106732658605}"/>
-              </a:ext>
-            </a:extLst>
-          </p:cNvPr>
-          <p:cNvSpPr txBox="1"/>
-          <p:nvPr/>
-        </p:nvSpPr>
-        <p:spPr>
-          <a:xfrm>
-            <a:off x="190500" y="5388980"/>
-            <a:ext cx="3143250" cy="1497300"/>
-          </a:xfrm>
-          <a:prstGeom prst="rect">
-            <a:avLst/>
-          </a:prstGeom>
-        </p:spPr>
-        <p:txBody>
-          <a:bodyPr vert="horz" wrap="square" lIns="91440" tIns="45720" rIns="91440" bIns="45720" rtlCol="1" anchor="ctr">
-            <a:noAutofit/>
-          </a:bodyPr>
-          <a:lstStyle/>
-          <a:p>
-            <a:pPr algn="l" rtl="0">
-              <a:lnSpc>
-                <a:spcPct val="150000"/>
-              </a:lnSpc>
-            </a:pPr>
-            <a:r>
-              <a:rPr lang="he-IL" sz="2400" dirty="0">
-                <a:solidFill>
-                  <a:srgbClr val="002060"/>
-                </a:solidFill>
-                <a:latin typeface="Arial" panose="020B0604020202020204" pitchFamily="34" charset="0"/>
-                <a:cs typeface="Arial" panose="020B0604020202020204" pitchFamily="34" charset="0"/>
-              </a:rPr>
-              <a:t>Moran</a:t>
-            </a:r>
-            <a:r>
-              <a:rPr lang="he-IL" sz="2400" dirty="0">
-                <a:solidFill>
-                  <a:srgbClr val="002060"/>
-                </a:solidFill>
-                <a:latin typeface="Arial" panose="020B0604020202020204" pitchFamily="34" charset="0"/>
-                <a:ea typeface="+mn-ea"/>
-                <a:cs typeface="Arial" panose="020B0604020202020204" pitchFamily="34" charset="0"/>
-              </a:rPr>
-              <a:t> </a:t>
-            </a:r>
-            <a:r>
-              <a:rPr lang="he-IL" sz="2400" dirty="0">
-                <a:solidFill>
-                  <a:srgbClr val="002060"/>
-                </a:solidFill>
-                <a:latin typeface="Arial" panose="020B0604020202020204" pitchFamily="34" charset="0"/>
-                <a:cs typeface="Arial" panose="020B0604020202020204" pitchFamily="34" charset="0"/>
-              </a:rPr>
-              <a:t>Abitbul</a:t>
-            </a:r>
-            <a:endParaRPr lang="he-IL" sz="2400" dirty="0">
-              <a:solidFill>
-                <a:srgbClr val="002060"/>
-              </a:solidFill>
-              <a:latin typeface="Arial" panose="020B0604020202020204" pitchFamily="34" charset="0"/>
-              <a:ea typeface="+mn-ea"/>
-              <a:cs typeface="Arial" panose="020B0604020202020204" pitchFamily="34" charset="0"/>
-            </a:endParaRPr>
-          </a:p>
-          <a:p>
-            <a:pPr algn="l" rtl="0">
-              <a:lnSpc>
-                <a:spcPct val="150000"/>
-              </a:lnSpc>
-            </a:pPr>
-            <a:r>
-              <a:rPr lang="en-US" sz="2400" dirty="0">
-                <a:solidFill>
-                  <a:srgbClr val="002060"/>
-                </a:solidFill>
-                <a:latin typeface="Arial" panose="020B0604020202020204" pitchFamily="34" charset="0"/>
-                <a:cs typeface="Arial" panose="020B0604020202020204" pitchFamily="34" charset="0"/>
-              </a:rPr>
-              <a:t>T</a:t>
-            </a:r>
-            <a:r>
-              <a:rPr lang="he-IL" sz="2400" dirty="0">
-                <a:solidFill>
-                  <a:srgbClr val="002060"/>
-                </a:solidFill>
-                <a:latin typeface="Arial" panose="020B0604020202020204" pitchFamily="34" charset="0"/>
-                <a:cs typeface="Arial" panose="020B0604020202020204" pitchFamily="34" charset="0"/>
-              </a:rPr>
-              <a:t>air </a:t>
-            </a:r>
-            <a:r>
-              <a:rPr lang="en-US" sz="2400" dirty="0">
-                <a:solidFill>
-                  <a:srgbClr val="002060"/>
-                </a:solidFill>
-                <a:latin typeface="Arial" panose="020B0604020202020204" pitchFamily="34" charset="0"/>
-                <a:cs typeface="Arial" panose="020B0604020202020204" pitchFamily="34" charset="0"/>
-              </a:rPr>
-              <a:t>F</a:t>
-            </a:r>
-            <a:r>
-              <a:rPr lang="he-IL" sz="2400" dirty="0">
-                <a:solidFill>
-                  <a:srgbClr val="002060"/>
-                </a:solidFill>
-                <a:latin typeface="Arial" panose="020B0604020202020204" pitchFamily="34" charset="0"/>
-                <a:cs typeface="Arial" panose="020B0604020202020204" pitchFamily="34" charset="0"/>
-              </a:rPr>
-              <a:t>arangi</a:t>
-            </a:r>
-            <a:endParaRPr lang="he-IL" sz="2400" dirty="0">
-              <a:solidFill>
-                <a:srgbClr val="002060"/>
-              </a:solidFill>
-              <a:latin typeface="Arial" panose="020B0604020202020204" pitchFamily="34" charset="0"/>
-              <a:ea typeface="+mn-ea"/>
-              <a:cs typeface="Arial" panose="020B0604020202020204" pitchFamily="34" charset="0"/>
-            </a:endParaRPr>
-          </a:p>
-        </p:txBody>
-      </p:sp>
-      <p:sp>
-        <p:nvSpPr>
-          <p:cNvPr id="4" name="תיבת טקסט 3">
-            <a:extLst>
-              <a:ext uri="{FF2B5EF4-FFF2-40B4-BE49-F238E27FC236}">
-                <a16:creationId xmlns:a16="http://schemas.microsoft.com/office/drawing/2014/main" id="{401B9F85-5698-41E7-AA8D-20C0818B5E7A}"/>
-              </a:ext>
-            </a:extLst>
-          </p:cNvPr>
-          <p:cNvSpPr txBox="1"/>
-          <p:nvPr/>
-        </p:nvSpPr>
-        <p:spPr>
-          <a:xfrm>
-            <a:off x="95250" y="3429000"/>
-            <a:ext cx="12001500" cy="1113145"/>
-          </a:xfrm>
-          <a:prstGeom prst="rect">
-            <a:avLst/>
-          </a:prstGeom>
-        </p:spPr>
-        <p:txBody>
-          <a:bodyPr vert="horz" wrap="square" lIns="91440" tIns="45720" rIns="91440" bIns="45720" rtlCol="1" anchor="ctr">
-            <a:noAutofit/>
-          </a:bodyPr>
-          <a:lstStyle/>
-          <a:p>
-            <a:pPr algn="ctr" rtl="0">
-              <a:lnSpc>
-                <a:spcPct val="150000"/>
-              </a:lnSpc>
-            </a:pPr>
-            <a:r>
-              <a:rPr lang="en-US" sz="2400" dirty="0">
-                <a:solidFill>
-                  <a:srgbClr val="0070C0"/>
-                </a:solidFill>
-                <a:latin typeface="Arial" panose="020B0604020202020204" pitchFamily="34" charset="0"/>
-                <a:cs typeface="Arial" panose="020B0604020202020204" pitchFamily="34" charset="0"/>
-              </a:rPr>
-              <a:t>Aurangzeb Khan, </a:t>
-            </a:r>
-            <a:r>
-              <a:rPr lang="en-US" sz="2400" dirty="0" err="1">
-                <a:solidFill>
-                  <a:srgbClr val="0070C0"/>
-                </a:solidFill>
-                <a:latin typeface="Arial" panose="020B0604020202020204" pitchFamily="34" charset="0"/>
-                <a:cs typeface="Arial" panose="020B0604020202020204" pitchFamily="34" charset="0"/>
-              </a:rPr>
-              <a:t>Baharum</a:t>
-            </a:r>
-            <a:r>
-              <a:rPr lang="en-US" sz="2400" dirty="0">
-                <a:solidFill>
-                  <a:srgbClr val="0070C0"/>
-                </a:solidFill>
-                <a:latin typeface="Arial" panose="020B0604020202020204" pitchFamily="34" charset="0"/>
-                <a:cs typeface="Arial" panose="020B0604020202020204" pitchFamily="34" charset="0"/>
-              </a:rPr>
-              <a:t> </a:t>
-            </a:r>
-            <a:r>
-              <a:rPr lang="en-US" sz="2400" dirty="0" err="1">
-                <a:solidFill>
-                  <a:srgbClr val="0070C0"/>
-                </a:solidFill>
-                <a:latin typeface="Arial" panose="020B0604020202020204" pitchFamily="34" charset="0"/>
-                <a:cs typeface="Arial" panose="020B0604020202020204" pitchFamily="34" charset="0"/>
-              </a:rPr>
-              <a:t>Baharudin</a:t>
-            </a:r>
-            <a:r>
-              <a:rPr lang="en-US" sz="2400" dirty="0">
-                <a:solidFill>
-                  <a:srgbClr val="0070C0"/>
-                </a:solidFill>
-                <a:latin typeface="Arial" panose="020B0604020202020204" pitchFamily="34" charset="0"/>
-                <a:cs typeface="Arial" panose="020B0604020202020204" pitchFamily="34" charset="0"/>
-              </a:rPr>
-              <a:t>, Lam Hong Lee*, </a:t>
-            </a:r>
-            <a:r>
-              <a:rPr lang="en-US" sz="2400" dirty="0" err="1">
-                <a:solidFill>
-                  <a:srgbClr val="0070C0"/>
-                </a:solidFill>
-                <a:latin typeface="Arial" panose="020B0604020202020204" pitchFamily="34" charset="0"/>
-                <a:cs typeface="Arial" panose="020B0604020202020204" pitchFamily="34" charset="0"/>
-              </a:rPr>
-              <a:t>Khairullah</a:t>
-            </a:r>
-            <a:r>
-              <a:rPr lang="en-US" sz="2400" dirty="0">
-                <a:solidFill>
-                  <a:srgbClr val="0070C0"/>
-                </a:solidFill>
-                <a:latin typeface="Arial" panose="020B0604020202020204" pitchFamily="34" charset="0"/>
-                <a:cs typeface="Arial" panose="020B0604020202020204" pitchFamily="34" charset="0"/>
-              </a:rPr>
-              <a:t> khan</a:t>
-            </a:r>
-            <a:r>
-              <a:rPr lang="en-US" sz="2400" b="0" i="0" u="none" strike="noStrike" baseline="0" dirty="0">
-                <a:solidFill>
-                  <a:srgbClr val="0070C0"/>
-                </a:solidFill>
-                <a:latin typeface="Arial" panose="020B0604020202020204" pitchFamily="34" charset="0"/>
-                <a:cs typeface="Arial" panose="020B0604020202020204" pitchFamily="34" charset="0"/>
-              </a:rPr>
-              <a:t>FEBRUARY 2010</a:t>
-            </a:r>
-            <a:br>
-              <a:rPr lang="en-US" sz="2400" dirty="0">
-                <a:solidFill>
-                  <a:srgbClr val="0070C0"/>
-                </a:solidFill>
-                <a:latin typeface="Arial" panose="020B0604020202020204" pitchFamily="34" charset="0"/>
-                <a:cs typeface="Arial" panose="020B0604020202020204" pitchFamily="34" charset="0"/>
-              </a:rPr>
-            </a:br>
-            <a:endParaRPr lang="en-US" sz="2400" b="1" dirty="0">
-              <a:solidFill>
-                <a:srgbClr val="0070C0"/>
-              </a:solidFill>
-              <a:latin typeface="Arial" panose="020B0604020202020204" pitchFamily="34" charset="0"/>
-              <a:cs typeface="Arial" panose="020B0604020202020204" pitchFamily="34" charset="0"/>
-            </a:endParaRPr>
-          </a:p>
-          <a:p>
-            <a:pPr algn="ctr" rtl="0">
-              <a:lnSpc>
-                <a:spcPct val="150000"/>
-              </a:lnSpc>
-            </a:pPr>
-            <a:endParaRPr lang="he-IL" sz="2400" dirty="0">
-              <a:latin typeface="Arial" panose="020B0604020202020204" pitchFamily="34" charset="0"/>
-              <a:ea typeface="+mn-ea"/>
-              <a:cs typeface="Arial" panose="020B0604020202020204" pitchFamily="34" charset="0"/>
-            </a:endParaRPr>
-          </a:p>
-        </p:txBody>
-      </p:sp>
-    </p:spTree>
-    <p:extLst>
-      <p:ext uri="{BB962C8B-B14F-4D97-AF65-F5344CB8AC3E}">
-        <p14:creationId xmlns:p14="http://schemas.microsoft.com/office/powerpoint/2010/main" val="2094803981"/>
-      </p:ext>
-    </p:extLst>
-  </p:cSld>
-  <p:clrMapOvr>
-    <a:masterClrMapping/>
-  </p:clrMapOvr>
-</p:sld>
-</file>
-
-<file path=ppt/slides/slide2.xml><?xml version="1.0" encoding="utf-8"?>
-<p:sld xmlns:a="http://schemas.openxmlformats.org/drawingml/2006/main" xmlns:r="http://schemas.openxmlformats.org/officeDocument/2006/relationships" xmlns:p="http://schemas.openxmlformats.org/presentationml/2006/main">
-  <p:cSld>
     <p:bg>
       <p:bgPr>
         <a:solidFill>
@@ -4689,6 +4306,389 @@
       </p:grpSpPr>
       <p:sp>
         <p:nvSpPr>
+          <p:cNvPr id="7" name="כותרת 1">
+            <a:extLst>
+              <a:ext uri="{FF2B5EF4-FFF2-40B4-BE49-F238E27FC236}">
+                <a16:creationId xmlns:a16="http://schemas.microsoft.com/office/drawing/2014/main" id="{1FF3C46F-92A1-4D2A-AF4D-5625790FAC81}"/>
+              </a:ext>
+            </a:extLst>
+          </p:cNvPr>
+          <p:cNvSpPr txBox="1">
+            <a:spLocks/>
+          </p:cNvSpPr>
+          <p:nvPr/>
+        </p:nvSpPr>
+        <p:spPr>
+          <a:xfrm>
+            <a:off x="-43071" y="1013351"/>
+            <a:ext cx="12235071" cy="2212422"/>
+          </a:xfrm>
+          <a:prstGeom prst="rect">
+            <a:avLst/>
+          </a:prstGeom>
+        </p:spPr>
+        <p:txBody>
+          <a:bodyPr vert="horz" lIns="91440" tIns="45720" rIns="91440" bIns="45720" rtlCol="1" anchor="ctr">
+            <a:normAutofit/>
+          </a:bodyPr>
+          <a:lstStyle>
+            <a:lvl1pPr algn="r" defTabSz="914400" rtl="1" eaLnBrk="1" latinLnBrk="0" hangingPunct="1">
+              <a:lnSpc>
+                <a:spcPct val="90000"/>
+              </a:lnSpc>
+              <a:spcBef>
+                <a:spcPct val="0"/>
+              </a:spcBef>
+              <a:buNone/>
+              <a:defRPr sz="4400" kern="1200">
+                <a:solidFill>
+                  <a:schemeClr val="tx1"/>
+                </a:solidFill>
+                <a:latin typeface="+mj-lt"/>
+                <a:ea typeface="+mj-ea"/>
+                <a:cs typeface="+mj-cs"/>
+              </a:defRPr>
+            </a:lvl1pPr>
+          </a:lstStyle>
+          <a:p>
+            <a:pPr algn="ctr"/>
+            <a:r>
+              <a:rPr lang="en-US" b="0" i="0" u="none" strike="noStrike" baseline="0" dirty="0">
+                <a:solidFill>
+                  <a:srgbClr val="56d5ff"/>
+                </a:solidFill>
+                <a:latin typeface="Arial" panose="020B0604020202020204" pitchFamily="34" charset="0"/>
+                <a:cs typeface="Arial" panose="020B0604020202020204" pitchFamily="34" charset="0"/>
+              </a:rPr>
+              <a:t>A Review of Machine Learning Algorithms for</a:t>
+            </a:r>
+          </a:p>
+          <a:p>
+            <a:pPr algn="ctr"/>
+            <a:r>
+              <a:rPr lang="en-US" b="0" i="0" u="none" strike="noStrike" baseline="0" dirty="0">
+                <a:solidFill>
+                  <a:srgbClr val="56d5ff"/>
+                </a:solidFill>
+                <a:latin typeface="Arial" panose="020B0604020202020204" pitchFamily="34" charset="0"/>
+                <a:cs typeface="Arial" panose="020B0604020202020204" pitchFamily="34" charset="0"/>
+              </a:rPr>
+              <a:t>Text-Documents Classification</a:t>
+            </a:r>
+            <a:endParaRPr lang="en-US" sz="40300" b="1" dirty="0">
+              <a:solidFill>
+                <a:srgbClr val="00B0F0"/>
+              </a:solidFill>
+              <a:latin typeface="Arial" panose="020B0604020202020204" pitchFamily="34" charset="0"/>
+              <a:cs typeface="Arial" panose="020B0604020202020204" pitchFamily="34" charset="0"/>
+            </a:endParaRPr>
+          </a:p>
+        </p:txBody>
+      </p:sp>
+      <p:sp>
+        <p:nvSpPr>
+          <p:cNvPr id="3" name="תיבת טקסט 2">
+            <a:extLst>
+              <a:ext uri="{FF2B5EF4-FFF2-40B4-BE49-F238E27FC236}">
+                <a16:creationId xmlns:a16="http://schemas.microsoft.com/office/drawing/2014/main" id="{2E50B174-1151-4FC3-8279-106732658605}"/>
+              </a:ext>
+            </a:extLst>
+          </p:cNvPr>
+          <p:cNvSpPr txBox="1"/>
+          <p:nvPr/>
+        </p:nvSpPr>
+        <p:spPr>
+          <a:xfrm>
+            <a:off x="190500" y="5388980"/>
+            <a:ext cx="3143250" cy="1497300"/>
+          </a:xfrm>
+          <a:prstGeom prst="rect">
+            <a:avLst/>
+          </a:prstGeom>
+        </p:spPr>
+        <p:txBody>
+          <a:bodyPr vert="horz" wrap="square" lIns="91440" tIns="45720" rIns="91440" bIns="45720" rtlCol="1" anchor="ctr">
+            <a:noAutofit/>
+          </a:bodyPr>
+          <a:lstStyle/>
+          <a:p>
+            <a:pPr algn="l" rtl="0">
+              <a:lnSpc>
+                <a:spcPct val="150000"/>
+              </a:lnSpc>
+            </a:pPr>
+            <a:r>
+              <a:rPr lang="he-IL" sz="2400" dirty="0">
+                <a:solidFill>
+                  <a:srgbClr val="e0ddff"/>
+                </a:solidFill>
+                <a:latin typeface="Arial" panose="020B0604020202020204" pitchFamily="34" charset="0"/>
+                <a:cs typeface="Arial" panose="020B0604020202020204" pitchFamily="34" charset="0"/>
+              </a:rPr>
+              <a:t>Moran</a:t>
+            </a:r>
+            <a:r>
+              <a:rPr lang="he-IL" sz="2400" dirty="0">
+                <a:solidFill>
+                  <a:srgbClr val="e0ddff"/>
+                </a:solidFill>
+                <a:latin typeface="Arial" panose="020B0604020202020204" pitchFamily="34" charset="0"/>
+                <a:ea typeface="+mn-ea"/>
+                <a:cs typeface="Arial" panose="020B0604020202020204" pitchFamily="34" charset="0"/>
+              </a:rPr>
+              <a:t> </a:t>
+            </a:r>
+            <a:r>
+              <a:rPr lang="he-IL" sz="2400" dirty="0">
+                <a:solidFill>
+                  <a:srgbClr val="e0ddff"/>
+                </a:solidFill>
+                <a:latin typeface="Arial" panose="020B0604020202020204" pitchFamily="34" charset="0"/>
+                <a:cs typeface="Arial" panose="020B0604020202020204" pitchFamily="34" charset="0"/>
+              </a:rPr>
+              <a:t>Abitbul</a:t>
+            </a:r>
+            <a:endParaRPr lang="he-IL" sz="2400" dirty="0">
+              <a:solidFill>
+                <a:srgbClr val="002060"/>
+              </a:solidFill>
+              <a:latin typeface="Arial" panose="020B0604020202020204" pitchFamily="34" charset="0"/>
+              <a:ea typeface="+mn-ea"/>
+              <a:cs typeface="Arial" panose="020B0604020202020204" pitchFamily="34" charset="0"/>
+            </a:endParaRPr>
+          </a:p>
+          <a:p>
+            <a:pPr algn="l" rtl="0">
+              <a:lnSpc>
+                <a:spcPct val="150000"/>
+              </a:lnSpc>
+            </a:pPr>
+            <a:r>
+              <a:rPr lang="en-US" sz="2400" dirty="0">
+                <a:solidFill>
+                  <a:srgbClr val="e0ddff"/>
+                </a:solidFill>
+                <a:latin typeface="Arial" panose="020B0604020202020204" pitchFamily="34" charset="0"/>
+                <a:cs typeface="Arial" panose="020B0604020202020204" pitchFamily="34" charset="0"/>
+              </a:rPr>
+              <a:t>T</a:t>
+            </a:r>
+            <a:r>
+              <a:rPr lang="he-IL" sz="2400" dirty="0">
+                <a:solidFill>
+                  <a:srgbClr val="e0ddff"/>
+                </a:solidFill>
+                <a:latin typeface="Arial" panose="020B0604020202020204" pitchFamily="34" charset="0"/>
+                <a:cs typeface="Arial" panose="020B0604020202020204" pitchFamily="34" charset="0"/>
+              </a:rPr>
+              <a:t>air </a:t>
+            </a:r>
+            <a:r>
+              <a:rPr lang="en-US" sz="2400" dirty="0">
+                <a:solidFill>
+                  <a:srgbClr val="e0ddff"/>
+                </a:solidFill>
+                <a:latin typeface="Arial" panose="020B0604020202020204" pitchFamily="34" charset="0"/>
+                <a:cs typeface="Arial" panose="020B0604020202020204" pitchFamily="34" charset="0"/>
+              </a:rPr>
+              <a:t>F</a:t>
+            </a:r>
+            <a:r>
+              <a:rPr lang="he-IL" sz="2400" dirty="0">
+                <a:solidFill>
+                  <a:srgbClr val="e0ddff"/>
+                </a:solidFill>
+                <a:latin typeface="Arial" panose="020B0604020202020204" pitchFamily="34" charset="0"/>
+                <a:cs typeface="Arial" panose="020B0604020202020204" pitchFamily="34" charset="0"/>
+              </a:rPr>
+              <a:t>arangi</a:t>
+            </a:r>
+            <a:endParaRPr lang="he-IL" sz="2400" dirty="0">
+              <a:solidFill>
+                <a:srgbClr val="002060"/>
+              </a:solidFill>
+              <a:latin typeface="Arial" panose="020B0604020202020204" pitchFamily="34" charset="0"/>
+              <a:ea typeface="+mn-ea"/>
+              <a:cs typeface="Arial" panose="020B0604020202020204" pitchFamily="34" charset="0"/>
+            </a:endParaRPr>
+          </a:p>
+        </p:txBody>
+      </p:sp>
+      <p:sp>
+        <p:nvSpPr>
+          <p:cNvPr id="4" name="תיבת טקסט 3">
+            <a:extLst>
+              <a:ext uri="{FF2B5EF4-FFF2-40B4-BE49-F238E27FC236}">
+                <a16:creationId xmlns:a16="http://schemas.microsoft.com/office/drawing/2014/main" id="{401B9F85-5698-41E7-AA8D-20C0818B5E7A}"/>
+              </a:ext>
+            </a:extLst>
+          </p:cNvPr>
+          <p:cNvSpPr txBox="1"/>
+          <p:nvPr/>
+        </p:nvSpPr>
+        <p:spPr>
+          <a:xfrm>
+            <a:off x="95250" y="3429000"/>
+            <a:ext cx="12001500" cy="1113145"/>
+          </a:xfrm>
+          <a:prstGeom prst="rect">
+            <a:avLst/>
+          </a:prstGeom>
+        </p:spPr>
+        <p:txBody>
+          <a:bodyPr vert="horz" wrap="square" lIns="91440" tIns="45720" rIns="91440" bIns="45720" rtlCol="1" anchor="ctr">
+            <a:noAutofit/>
+          </a:bodyPr>
+          <a:lstStyle/>
+          <a:p>
+            <a:pPr algn="ctr" rtl="0">
+              <a:lnSpc>
+                <a:spcPct val="150000"/>
+              </a:lnSpc>
+            </a:pPr>
+            <a:r>
+              <a:rPr lang="en-US" sz="2400" dirty="0">
+                <a:solidFill>
+                  <a:srgbClr val="b6f4ff"/>
+                </a:solidFill>
+                <a:latin typeface="Arial" panose="020B0604020202020204" pitchFamily="34" charset="0"/>
+                <a:cs typeface="Arial" panose="020B0604020202020204" pitchFamily="34" charset="0"/>
+              </a:rPr>
+              <a:t>Aurangzeb Khan, </a:t>
+            </a:r>
+            <a:r>
+              <a:rPr lang="en-US" sz="2400" dirty="0" err="1">
+                <a:solidFill>
+                  <a:srgbClr val="b6f4ff"/>
+                </a:solidFill>
+                <a:latin typeface="Arial" panose="020B0604020202020204" pitchFamily="34" charset="0"/>
+                <a:cs typeface="Arial" panose="020B0604020202020204" pitchFamily="34" charset="0"/>
+              </a:rPr>
+              <a:t>Baharum</a:t>
+            </a:r>
+            <a:r>
+              <a:rPr lang="en-US" sz="2400" dirty="0">
+                <a:solidFill>
+                  <a:srgbClr val="b6f4ff"/>
+                </a:solidFill>
+                <a:latin typeface="Arial" panose="020B0604020202020204" pitchFamily="34" charset="0"/>
+                <a:cs typeface="Arial" panose="020B0604020202020204" pitchFamily="34" charset="0"/>
+              </a:rPr>
+              <a:t> </a:t>
+            </a:r>
+            <a:r>
+              <a:rPr lang="en-US" sz="2400" dirty="0" err="1">
+                <a:solidFill>
+                  <a:srgbClr val="b6f4ff"/>
+                </a:solidFill>
+                <a:latin typeface="Arial" panose="020B0604020202020204" pitchFamily="34" charset="0"/>
+                <a:cs typeface="Arial" panose="020B0604020202020204" pitchFamily="34" charset="0"/>
+              </a:rPr>
+              <a:t>Baharudin</a:t>
+            </a:r>
+            <a:r>
+              <a:rPr lang="en-US" sz="2400" dirty="0">
+                <a:solidFill>
+                  <a:srgbClr val="b6f4ff"/>
+                </a:solidFill>
+                <a:latin typeface="Arial" panose="020B0604020202020204" pitchFamily="34" charset="0"/>
+                <a:cs typeface="Arial" panose="020B0604020202020204" pitchFamily="34" charset="0"/>
+              </a:rPr>
+              <a:t>, Lam Hong Lee*, </a:t>
+            </a:r>
+            <a:r>
+              <a:rPr lang="en-US" sz="2400" dirty="0" err="1">
+                <a:solidFill>
+                  <a:srgbClr val="b6f4ff"/>
+                </a:solidFill>
+                <a:latin typeface="Arial" panose="020B0604020202020204" pitchFamily="34" charset="0"/>
+                <a:cs typeface="Arial" panose="020B0604020202020204" pitchFamily="34" charset="0"/>
+              </a:rPr>
+              <a:t>Khairullah</a:t>
+            </a:r>
+            <a:r>
+              <a:rPr lang="en-US" sz="2400" dirty="0">
+                <a:solidFill>
+                  <a:srgbClr val="b6f4ff"/>
+                </a:solidFill>
+                <a:latin typeface="Arial" panose="020B0604020202020204" pitchFamily="34" charset="0"/>
+                <a:cs typeface="Arial" panose="020B0604020202020204" pitchFamily="34" charset="0"/>
+              </a:rPr>
+              <a:t> khan</a:t>
+            </a:r>
+            <a:r>
+              <a:rPr lang="en-US" sz="2400" b="0" i="0" u="none" strike="noStrike" baseline="0" dirty="0">
+                <a:solidFill>
+                  <a:srgbClr val="b6f4ff"/>
+                </a:solidFill>
+                <a:latin typeface="Arial" panose="020B0604020202020204" pitchFamily="34" charset="0"/>
+                <a:cs typeface="Arial" panose="020B0604020202020204" pitchFamily="34" charset="0"/>
+              </a:rPr>
+              <a:t>FEBRUARY 2010</a:t>
+            </a:r>
+            <a:br>
+              <a:rPr lang="en-US" sz="2400" dirty="0">
+                <a:solidFill>
+                  <a:srgbClr val="0070C0"/>
+                </a:solidFill>
+                <a:latin typeface="Arial" panose="020B0604020202020204" pitchFamily="34" charset="0"/>
+                <a:cs typeface="Arial" panose="020B0604020202020204" pitchFamily="34" charset="0"/>
+              </a:rPr>
+            </a:br>
+            <a:endParaRPr lang="en-US" sz="2400" b="1" dirty="0">
+              <a:solidFill>
+                <a:srgbClr val="0070C0"/>
+              </a:solidFill>
+              <a:latin typeface="Arial" panose="020B0604020202020204" pitchFamily="34" charset="0"/>
+              <a:cs typeface="Arial" panose="020B0604020202020204" pitchFamily="34" charset="0"/>
+            </a:endParaRPr>
+          </a:p>
+          <a:p>
+            <a:pPr algn="ctr" rtl="0">
+              <a:lnSpc>
+                <a:spcPct val="150000"/>
+              </a:lnSpc>
+            </a:pPr>
+            <a:endParaRPr lang="he-IL" sz="2400" dirty="0">
+              <a:latin typeface="Arial" panose="020B0604020202020204" pitchFamily="34" charset="0"/>
+              <a:ea typeface="+mn-ea"/>
+              <a:cs typeface="Arial" panose="020B0604020202020204" pitchFamily="34" charset="0"/>
+            </a:endParaRPr>
+          </a:p>
+        </p:txBody>
+      </p:sp>
+    </p:spTree>
+    <p:extLst>
+      <p:ext uri="{BB962C8B-B14F-4D97-AF65-F5344CB8AC3E}">
+        <p14:creationId xmlns:p14="http://schemas.microsoft.com/office/powerpoint/2010/main" val="2094803981"/>
+      </p:ext>
+    </p:extLst>
+  </p:cSld>
+  <p:clrMapOvr>
+    <a:masterClrMapping/>
+  </p:clrMapOvr>
+</p:sld>
+</file>
+
+<file path=ppt/slides/slide2.xml><?xml version="1.0" encoding="utf-8"?>
+<p:sld xmlns:a="http://schemas.openxmlformats.org/drawingml/2006/main" xmlns:r="http://schemas.openxmlformats.org/officeDocument/2006/relationships" xmlns:p="http://schemas.openxmlformats.org/presentationml/2006/main">
+  <p:cSld>
+    <p:spTree>
+      <p:nvGrpSpPr>
+        <p:cNvPr id="1" name=""/>
+        <p:cNvGrpSpPr/>
+        <p:nvPr/>
+      </p:nvGrpSpPr>
+      <p:grpSpPr>
+        <a:xfrm>
+          <a:off x="0" y="0"/>
+          <a:ext cx="0" cy="0"/>
+          <a:chOff x="0" y="0"/>
+          <a:chExt cx="0" cy="0"/>
+        </a:xfrm>
+      </p:grpSpPr>
+      <p:sp>
+        <p:nvSpPr>
           <p:cNvPr id="2" name="תיבת טקסט 1">
             <a:extLst>
               <a:ext uri="{FF2B5EF4-FFF2-40B4-BE49-F238E27FC236}">
@@ -4722,13 +4722,13 @@
             <a:r>
               <a:rPr lang="en-US" sz="6600" dirty="0">
                 <a:solidFill>
-                  <a:srgbClr val="56d5ff"/>
+                  <a:srgbClr val="00B0F0"/>
                 </a:solidFill>
                 <a:latin typeface="Arial" panose="020B0604020202020204" pitchFamily="34" charset="0"/>
                 <a:ea typeface="+mn-ea"/>
                 <a:cs typeface="Arial" panose="020B0604020202020204" pitchFamily="34" charset="0"/>
               </a:rPr>
-              <a:t>Outline.</a:t>
+              <a:t>Outline</a:t>
             </a:r>
             <a:endParaRPr lang="he-IL" sz="6600" dirty="0">
               <a:solidFill>
@@ -4779,12 +4779,12 @@
             <a:r>
               <a:rPr lang="en-US" sz="3200">
                 <a:solidFill>
-                  <a:srgbClr val="b6f4ff"/>
+                  <a:srgbClr val="0070C0"/>
                 </a:solidFill>
                 <a:latin typeface="Arial" panose="020B0604020202020204" pitchFamily="34" charset="0"/>
                 <a:cs typeface="Arial" panose="020B0604020202020204" pitchFamily="34" charset="0"/>
               </a:rPr>
-              <a:t>Machine Learning.</a:t>
+              <a:t>Machine Learning</a:t>
             </a:r>
             <a:endParaRPr lang="en-US" sz="3200" dirty="0">
               <a:solidFill>
@@ -4805,12 +4805,12 @@
             <a:r>
               <a:rPr lang="en-US" sz="2800" dirty="0">
                 <a:solidFill>
-                  <a:srgbClr val="b6f4ff"/>
+                  <a:srgbClr val="0070C0"/>
                 </a:solidFill>
                 <a:latin typeface="Arial" panose="020B0604020202020204" pitchFamily="34" charset="0"/>
                 <a:cs typeface="Arial" panose="020B0604020202020204" pitchFamily="34" charset="0"/>
               </a:rPr>
-              <a:t>Definitions.</a:t>
+              <a:t>Definitions</a:t>
             </a:r>
           </a:p>
           <a:p>
@@ -4827,11 +4827,8 @@
                 <a:latin typeface="Arial" panose="020B0604020202020204" pitchFamily="34" charset="0"/>
                 <a:ea typeface="Calibri" panose="020F0502020204030204" pitchFamily="34" charset="0"/>
                 <a:cs typeface="Arial" panose="020B0604020202020204" pitchFamily="34" charset="0"/>
-                <a:solidFill>
-                  <a:srgbClr val="ffffff"/>
-                </a:solidFill>
               </a:rPr>
-              <a:t>Text Mining.</a:t>
+              <a:t>Text Mining</a:t>
             </a:r>
           </a:p>
           <a:p>
@@ -4848,11 +4845,8 @@
                 <a:latin typeface="Arial" panose="020B0604020202020204" pitchFamily="34" charset="0"/>
                 <a:ea typeface="Calibri" panose="020F0502020204030204" pitchFamily="34" charset="0"/>
                 <a:cs typeface="Arial" panose="020B0604020202020204" pitchFamily="34" charset="0"/>
-                <a:solidFill>
-                  <a:srgbClr val="ffffff"/>
-                </a:solidFill>
               </a:rPr>
-              <a:t>Learning Algorithm.</a:t>
+              <a:t>Learning Algorithm</a:t>
             </a:r>
           </a:p>
           <a:p>
@@ -4869,11 +4863,8 @@
                 <a:latin typeface="Arial" panose="020B0604020202020204" pitchFamily="34" charset="0"/>
                 <a:ea typeface="Calibri" panose="020F0502020204030204" pitchFamily="34" charset="0"/>
                 <a:cs typeface="Arial" panose="020B0604020202020204" pitchFamily="34" charset="0"/>
-                <a:solidFill>
-                  <a:srgbClr val="ffffff"/>
-                </a:solidFill>
               </a:rPr>
-              <a:t>Text mining for market prediction.</a:t>
+              <a:t>Text mining for market prediction</a:t>
             </a:r>
           </a:p>
           <a:p>
@@ -4888,11 +4879,8 @@
               <a:rPr lang="en-US" sz="3200" dirty="0">
                 <a:latin typeface="Arial" panose="020B0604020202020204" pitchFamily="34" charset="0"/>
                 <a:cs typeface="Arial" panose="020B0604020202020204" pitchFamily="34" charset="0"/>
-                <a:solidFill>
-                  <a:srgbClr val="ffffff"/>
-                </a:solidFill>
               </a:rPr>
-              <a:t>Conclusions.</a:t>
+              <a:t>Conclusions</a:t>
             </a:r>
           </a:p>
         </p:txBody>

--- a/server/uploads/updated-semi.pptx
+++ b/server/uploads/updated-semi.pptx
@@ -4665,14 +4665,6 @@
 <file path=ppt/slides/slide2.xml><?xml version="1.0" encoding="utf-8"?>
 <p:sld xmlns:a="http://schemas.openxmlformats.org/drawingml/2006/main" xmlns:r="http://schemas.openxmlformats.org/officeDocument/2006/relationships" xmlns:p="http://schemas.openxmlformats.org/presentationml/2006/main">
   <p:cSld>
-    <p:bg>
-      <p:bgPr>
-        <a:solidFill>
-          <a:srgbClr val="505050"/>
-        </a:solidFill>
-        <a:effectLst/>
-      </p:bgPr>
-    </p:bg>
     <p:spTree>
       <p:nvGrpSpPr>
         <p:cNvPr id="1" name=""/>
@@ -4722,13 +4714,13 @@
             <a:r>
               <a:rPr lang="en-US" sz="6600" dirty="0">
                 <a:solidFill>
-                  <a:srgbClr val="56d5ff"/>
+                  <a:srgbClr val="00B0F0"/>
                 </a:solidFill>
                 <a:latin typeface="Arial" panose="020B0604020202020204" pitchFamily="34" charset="0"/>
                 <a:ea typeface="+mn-ea"/>
                 <a:cs typeface="Arial" panose="020B0604020202020204" pitchFamily="34" charset="0"/>
               </a:rPr>
-              <a:t>Outline.</a:t>
+              <a:t>Outline</a:t>
             </a:r>
             <a:endParaRPr lang="he-IL" sz="6600" dirty="0">
               <a:solidFill>
@@ -4779,12 +4771,12 @@
             <a:r>
               <a:rPr lang="en-US" sz="3200">
                 <a:solidFill>
-                  <a:srgbClr val="b6f4ff"/>
+                  <a:srgbClr val="0070C0"/>
                 </a:solidFill>
                 <a:latin typeface="Arial" panose="020B0604020202020204" pitchFamily="34" charset="0"/>
                 <a:cs typeface="Arial" panose="020B0604020202020204" pitchFamily="34" charset="0"/>
               </a:rPr>
-              <a:t>Machine Learning.</a:t>
+              <a:t>Machine Learning</a:t>
             </a:r>
             <a:endParaRPr lang="en-US" sz="3200" dirty="0">
               <a:solidFill>
@@ -4805,12 +4797,12 @@
             <a:r>
               <a:rPr lang="en-US" sz="2800" dirty="0">
                 <a:solidFill>
-                  <a:srgbClr val="b6f4ff"/>
+                  <a:srgbClr val="0070C0"/>
                 </a:solidFill>
                 <a:latin typeface="Arial" panose="020B0604020202020204" pitchFamily="34" charset="0"/>
                 <a:cs typeface="Arial" panose="020B0604020202020204" pitchFamily="34" charset="0"/>
               </a:rPr>
-              <a:t>Definitions.</a:t>
+              <a:t>Definitions</a:t>
             </a:r>
           </a:p>
           <a:p>
@@ -4827,11 +4819,8 @@
                 <a:latin typeface="Arial" panose="020B0604020202020204" pitchFamily="34" charset="0"/>
                 <a:ea typeface="Calibri" panose="020F0502020204030204" pitchFamily="34" charset="0"/>
                 <a:cs typeface="Arial" panose="020B0604020202020204" pitchFamily="34" charset="0"/>
-                <a:solidFill>
-                  <a:srgbClr val="ffffff"/>
-                </a:solidFill>
               </a:rPr>
-              <a:t>Text Mining.</a:t>
+              <a:t>Text Mining</a:t>
             </a:r>
           </a:p>
           <a:p>
@@ -4848,11 +4837,8 @@
                 <a:latin typeface="Arial" panose="020B0604020202020204" pitchFamily="34" charset="0"/>
                 <a:ea typeface="Calibri" panose="020F0502020204030204" pitchFamily="34" charset="0"/>
                 <a:cs typeface="Arial" panose="020B0604020202020204" pitchFamily="34" charset="0"/>
-                <a:solidFill>
-                  <a:srgbClr val="ffffff"/>
-                </a:solidFill>
               </a:rPr>
-              <a:t>Learning Algorithm.</a:t>
+              <a:t>Learning Algorithm</a:t>
             </a:r>
           </a:p>
           <a:p>
@@ -4869,11 +4855,8 @@
                 <a:latin typeface="Arial" panose="020B0604020202020204" pitchFamily="34" charset="0"/>
                 <a:ea typeface="Calibri" panose="020F0502020204030204" pitchFamily="34" charset="0"/>
                 <a:cs typeface="Arial" panose="020B0604020202020204" pitchFamily="34" charset="0"/>
-                <a:solidFill>
-                  <a:srgbClr val="ffffff"/>
-                </a:solidFill>
               </a:rPr>
-              <a:t>Text mining for market prediction.</a:t>
+              <a:t>Text mining for market prediction</a:t>
             </a:r>
           </a:p>
           <a:p>
@@ -4888,11 +4871,8 @@
               <a:rPr lang="en-US" sz="3200" dirty="0">
                 <a:latin typeface="Arial" panose="020B0604020202020204" pitchFamily="34" charset="0"/>
                 <a:cs typeface="Arial" panose="020B0604020202020204" pitchFamily="34" charset="0"/>
-                <a:solidFill>
-                  <a:srgbClr val="ffffff"/>
-                </a:solidFill>
               </a:rPr>
-              <a:t>Conclusions.</a:t>
+              <a:t>Conclusions</a:t>
             </a:r>
           </a:p>
         </p:txBody>
